--- a/presentations/4_introduction_to_models2.pptx
+++ b/presentations/4_introduction_to_models2.pptx
@@ -14,71 +14,70 @@
     <p:sldMasterId id="2147483768" r:id="rId10"/>
   </p:sldMasterIdLst>
   <p:notesMasterIdLst>
-    <p:notesMasterId r:id="rId70"/>
+    <p:notesMasterId r:id="rId69"/>
   </p:notesMasterIdLst>
   <p:handoutMasterIdLst>
-    <p:handoutMasterId r:id="rId71"/>
+    <p:handoutMasterId r:id="rId70"/>
   </p:handoutMasterIdLst>
   <p:sldIdLst>
     <p:sldId id="349" r:id="rId11"/>
-    <p:sldId id="384" r:id="rId12"/>
-    <p:sldId id="352" r:id="rId13"/>
-    <p:sldId id="353" r:id="rId14"/>
-    <p:sldId id="383" r:id="rId15"/>
-    <p:sldId id="354" r:id="rId16"/>
-    <p:sldId id="355" r:id="rId17"/>
-    <p:sldId id="356" r:id="rId18"/>
-    <p:sldId id="357" r:id="rId19"/>
-    <p:sldId id="358" r:id="rId20"/>
-    <p:sldId id="359" r:id="rId21"/>
-    <p:sldId id="360" r:id="rId22"/>
-    <p:sldId id="362" r:id="rId23"/>
-    <p:sldId id="361" r:id="rId24"/>
-    <p:sldId id="363" r:id="rId25"/>
-    <p:sldId id="364" r:id="rId26"/>
-    <p:sldId id="365" r:id="rId27"/>
-    <p:sldId id="366" r:id="rId28"/>
-    <p:sldId id="367" r:id="rId29"/>
-    <p:sldId id="368" r:id="rId30"/>
-    <p:sldId id="372" r:id="rId31"/>
-    <p:sldId id="369" r:id="rId32"/>
-    <p:sldId id="370" r:id="rId33"/>
-    <p:sldId id="371" r:id="rId34"/>
-    <p:sldId id="373" r:id="rId35"/>
-    <p:sldId id="375" r:id="rId36"/>
-    <p:sldId id="379" r:id="rId37"/>
-    <p:sldId id="380" r:id="rId38"/>
-    <p:sldId id="381" r:id="rId39"/>
-    <p:sldId id="382" r:id="rId40"/>
-    <p:sldId id="377" r:id="rId41"/>
-    <p:sldId id="385" r:id="rId42"/>
-    <p:sldId id="386" r:id="rId43"/>
-    <p:sldId id="387" r:id="rId44"/>
-    <p:sldId id="388" r:id="rId45"/>
-    <p:sldId id="391" r:id="rId46"/>
-    <p:sldId id="392" r:id="rId47"/>
-    <p:sldId id="389" r:id="rId48"/>
-    <p:sldId id="374" r:id="rId49"/>
-    <p:sldId id="376" r:id="rId50"/>
-    <p:sldId id="378" r:id="rId51"/>
-    <p:sldId id="393" r:id="rId52"/>
-    <p:sldId id="394" r:id="rId53"/>
-    <p:sldId id="396" r:id="rId54"/>
-    <p:sldId id="397" r:id="rId55"/>
-    <p:sldId id="398" r:id="rId56"/>
-    <p:sldId id="399" r:id="rId57"/>
-    <p:sldId id="400" r:id="rId58"/>
-    <p:sldId id="401" r:id="rId59"/>
-    <p:sldId id="402" r:id="rId60"/>
-    <p:sldId id="403" r:id="rId61"/>
-    <p:sldId id="404" r:id="rId62"/>
-    <p:sldId id="405" r:id="rId63"/>
-    <p:sldId id="406" r:id="rId64"/>
-    <p:sldId id="407" r:id="rId65"/>
-    <p:sldId id="408" r:id="rId66"/>
-    <p:sldId id="409" r:id="rId67"/>
-    <p:sldId id="410" r:id="rId68"/>
-    <p:sldId id="411" r:id="rId69"/>
+    <p:sldId id="352" r:id="rId12"/>
+    <p:sldId id="353" r:id="rId13"/>
+    <p:sldId id="383" r:id="rId14"/>
+    <p:sldId id="354" r:id="rId15"/>
+    <p:sldId id="355" r:id="rId16"/>
+    <p:sldId id="356" r:id="rId17"/>
+    <p:sldId id="357" r:id="rId18"/>
+    <p:sldId id="358" r:id="rId19"/>
+    <p:sldId id="359" r:id="rId20"/>
+    <p:sldId id="360" r:id="rId21"/>
+    <p:sldId id="362" r:id="rId22"/>
+    <p:sldId id="361" r:id="rId23"/>
+    <p:sldId id="363" r:id="rId24"/>
+    <p:sldId id="364" r:id="rId25"/>
+    <p:sldId id="365" r:id="rId26"/>
+    <p:sldId id="366" r:id="rId27"/>
+    <p:sldId id="367" r:id="rId28"/>
+    <p:sldId id="368" r:id="rId29"/>
+    <p:sldId id="372" r:id="rId30"/>
+    <p:sldId id="369" r:id="rId31"/>
+    <p:sldId id="370" r:id="rId32"/>
+    <p:sldId id="371" r:id="rId33"/>
+    <p:sldId id="373" r:id="rId34"/>
+    <p:sldId id="375" r:id="rId35"/>
+    <p:sldId id="379" r:id="rId36"/>
+    <p:sldId id="380" r:id="rId37"/>
+    <p:sldId id="381" r:id="rId38"/>
+    <p:sldId id="382" r:id="rId39"/>
+    <p:sldId id="377" r:id="rId40"/>
+    <p:sldId id="385" r:id="rId41"/>
+    <p:sldId id="386" r:id="rId42"/>
+    <p:sldId id="387" r:id="rId43"/>
+    <p:sldId id="388" r:id="rId44"/>
+    <p:sldId id="391" r:id="rId45"/>
+    <p:sldId id="392" r:id="rId46"/>
+    <p:sldId id="389" r:id="rId47"/>
+    <p:sldId id="374" r:id="rId48"/>
+    <p:sldId id="376" r:id="rId49"/>
+    <p:sldId id="378" r:id="rId50"/>
+    <p:sldId id="393" r:id="rId51"/>
+    <p:sldId id="394" r:id="rId52"/>
+    <p:sldId id="396" r:id="rId53"/>
+    <p:sldId id="397" r:id="rId54"/>
+    <p:sldId id="398" r:id="rId55"/>
+    <p:sldId id="399" r:id="rId56"/>
+    <p:sldId id="400" r:id="rId57"/>
+    <p:sldId id="401" r:id="rId58"/>
+    <p:sldId id="402" r:id="rId59"/>
+    <p:sldId id="403" r:id="rId60"/>
+    <p:sldId id="404" r:id="rId61"/>
+    <p:sldId id="405" r:id="rId62"/>
+    <p:sldId id="406" r:id="rId63"/>
+    <p:sldId id="407" r:id="rId64"/>
+    <p:sldId id="408" r:id="rId65"/>
+    <p:sldId id="409" r:id="rId66"/>
+    <p:sldId id="410" r:id="rId67"/>
+    <p:sldId id="411" r:id="rId68"/>
   </p:sldIdLst>
   <p:sldSz cx="10080625" cy="7559675"/>
   <p:notesSz cx="7772400" cy="10058400"/>
@@ -882,7 +881,7 @@
                 <a:latin typeface="Times New Roman" charset="0"/>
               </a:rPr>
               <a:pPr/>
-              <a:t>19</a:t>
+              <a:t>18</a:t>
             </a:fld>
             <a:endParaRPr lang="en-US" sz="1300">
               <a:latin typeface="Times New Roman" charset="0"/>
@@ -1127,7 +1126,7 @@
                 <a:latin typeface="Times New Roman" charset="0"/>
               </a:rPr>
               <a:pPr/>
-              <a:t>52</a:t>
+              <a:t>51</a:t>
             </a:fld>
             <a:endParaRPr lang="en-US" sz="1300">
               <a:latin typeface="Times New Roman" charset="0"/>
@@ -1371,7 +1370,7 @@
                 <a:latin typeface="Times New Roman" charset="0"/>
               </a:rPr>
               <a:pPr/>
-              <a:t>53</a:t>
+              <a:t>52</a:t>
             </a:fld>
             <a:endParaRPr lang="en-US" sz="1300">
               <a:latin typeface="Times New Roman" charset="0"/>
@@ -1619,7 +1618,7 @@
                 <a:latin typeface="Times New Roman" charset="0"/>
               </a:rPr>
               <a:pPr/>
-              <a:t>55</a:t>
+              <a:t>54</a:t>
             </a:fld>
             <a:endParaRPr lang="en-US" sz="1300">
               <a:latin typeface="Times New Roman" charset="0"/>
@@ -1863,7 +1862,7 @@
                 <a:latin typeface="Times New Roman" charset="0"/>
               </a:rPr>
               <a:pPr/>
-              <a:t>56</a:t>
+              <a:t>55</a:t>
             </a:fld>
             <a:endParaRPr lang="en-US" sz="1300">
               <a:latin typeface="Times New Roman" charset="0"/>
@@ -2111,7 +2110,7 @@
                 <a:latin typeface="Times New Roman" charset="0"/>
               </a:rPr>
               <a:pPr/>
-              <a:t>57</a:t>
+              <a:t>56</a:t>
             </a:fld>
             <a:endParaRPr lang="en-US" sz="1300">
               <a:latin typeface="Times New Roman" charset="0"/>
@@ -2359,7 +2358,7 @@
                 <a:latin typeface="Times New Roman" charset="0"/>
               </a:rPr>
               <a:pPr/>
-              <a:t>20</a:t>
+              <a:t>19</a:t>
             </a:fld>
             <a:endParaRPr lang="en-US" sz="1300">
               <a:latin typeface="Times New Roman" charset="0"/>
@@ -2604,7 +2603,7 @@
                 <a:latin typeface="Times New Roman" charset="0"/>
               </a:rPr>
               <a:pPr/>
-              <a:t>45</a:t>
+              <a:t>44</a:t>
             </a:fld>
             <a:endParaRPr lang="en-US" sz="1300">
               <a:latin typeface="Times New Roman" charset="0"/>
@@ -2852,7 +2851,7 @@
                 <a:latin typeface="Times New Roman" charset="0"/>
               </a:rPr>
               <a:pPr/>
-              <a:t>46</a:t>
+              <a:t>45</a:t>
             </a:fld>
             <a:endParaRPr lang="en-US" sz="1300">
               <a:latin typeface="Times New Roman" charset="0"/>
@@ -3096,7 +3095,7 @@
                 <a:latin typeface="Times New Roman" charset="0"/>
               </a:rPr>
               <a:pPr/>
-              <a:t>47</a:t>
+              <a:t>46</a:t>
             </a:fld>
             <a:endParaRPr lang="en-US" sz="1300">
               <a:latin typeface="Times New Roman" charset="0"/>
@@ -3340,7 +3339,7 @@
                 <a:latin typeface="Times New Roman" charset="0"/>
               </a:rPr>
               <a:pPr/>
-              <a:t>48</a:t>
+              <a:t>47</a:t>
             </a:fld>
             <a:endParaRPr lang="en-US" sz="1300">
               <a:latin typeface="Times New Roman" charset="0"/>
@@ -3584,7 +3583,7 @@
                 <a:latin typeface="Times New Roman" charset="0"/>
               </a:rPr>
               <a:pPr/>
-              <a:t>49</a:t>
+              <a:t>48</a:t>
             </a:fld>
             <a:endParaRPr lang="en-US" sz="1300">
               <a:latin typeface="Times New Roman" charset="0"/>
@@ -3832,7 +3831,7 @@
                 <a:latin typeface="Times New Roman" charset="0"/>
               </a:rPr>
               <a:pPr/>
-              <a:t>50</a:t>
+              <a:t>49</a:t>
             </a:fld>
             <a:endParaRPr lang="en-US" sz="1300">
               <a:latin typeface="Times New Roman" charset="0"/>
@@ -4080,7 +4079,7 @@
                 <a:latin typeface="Times New Roman" charset="0"/>
               </a:rPr>
               <a:pPr/>
-              <a:t>51</a:t>
+              <a:t>50</a:t>
             </a:fld>
             <a:endParaRPr lang="en-US" sz="1300">
               <a:latin typeface="Times New Roman" charset="0"/>
@@ -4289,7 +4288,7 @@
           <a:p>
             <a:fld id="{11859447-1FF1-4571-A7A1-75F1CAF7F5D9}" type="datetime1">
               <a:rPr lang="en-US" smtClean="0"/>
-              <a:t>9/21/14</a:t>
+              <a:t>9/22/14</a:t>
             </a:fld>
             <a:endParaRPr lang="en-US"/>
           </a:p>
@@ -4453,7 +4452,7 @@
           <a:p>
             <a:fld id="{11859447-1FF1-4571-A7A1-75F1CAF7F5D9}" type="datetime1">
               <a:rPr lang="en-US" smtClean="0"/>
-              <a:t>9/21/14</a:t>
+              <a:t>9/22/14</a:t>
             </a:fld>
             <a:endParaRPr lang="en-US"/>
           </a:p>
@@ -4617,7 +4616,7 @@
           <a:p>
             <a:fld id="{11859447-1FF1-4571-A7A1-75F1CAF7F5D9}" type="datetime1">
               <a:rPr lang="en-US" smtClean="0"/>
-              <a:t>9/21/14</a:t>
+              <a:t>9/22/14</a:t>
             </a:fld>
             <a:endParaRPr lang="en-US"/>
           </a:p>
@@ -4781,7 +4780,7 @@
           <a:p>
             <a:fld id="{11859447-1FF1-4571-A7A1-75F1CAF7F5D9}" type="datetime1">
               <a:rPr lang="en-US" smtClean="0"/>
-              <a:t>9/21/14</a:t>
+              <a:t>9/22/14</a:t>
             </a:fld>
             <a:endParaRPr lang="en-US"/>
           </a:p>
@@ -4963,7 +4962,7 @@
           <a:p>
             <a:fld id="{11859447-1FF1-4571-A7A1-75F1CAF7F5D9}" type="datetime1">
               <a:rPr lang="en-US" smtClean="0"/>
-              <a:t>9/21/14</a:t>
+              <a:t>9/22/14</a:t>
             </a:fld>
             <a:endParaRPr lang="en-US"/>
           </a:p>
@@ -5127,7 +5126,7 @@
           <a:p>
             <a:fld id="{11859447-1FF1-4571-A7A1-75F1CAF7F5D9}" type="datetime1">
               <a:rPr lang="en-US" smtClean="0"/>
-              <a:t>9/21/14</a:t>
+              <a:t>9/22/14</a:t>
             </a:fld>
             <a:endParaRPr lang="en-US"/>
           </a:p>
@@ -5313,7 +5312,7 @@
           <a:p>
             <a:fld id="{11859447-1FF1-4571-A7A1-75F1CAF7F5D9}" type="datetime1">
               <a:rPr lang="en-US" smtClean="0"/>
-              <a:t>9/21/14</a:t>
+              <a:t>9/22/14</a:t>
             </a:fld>
             <a:endParaRPr lang="en-US"/>
           </a:p>
@@ -5595,7 +5594,7 @@
           <a:p>
             <a:fld id="{11859447-1FF1-4571-A7A1-75F1CAF7F5D9}" type="datetime1">
               <a:rPr lang="en-US" smtClean="0"/>
-              <a:t>9/21/14</a:t>
+              <a:t>9/22/14</a:t>
             </a:fld>
             <a:endParaRPr lang="en-US"/>
           </a:p>
@@ -6011,7 +6010,7 @@
           <a:p>
             <a:fld id="{11859447-1FF1-4571-A7A1-75F1CAF7F5D9}" type="datetime1">
               <a:rPr lang="en-US" smtClean="0"/>
-              <a:t>9/21/14</a:t>
+              <a:t>9/22/14</a:t>
             </a:fld>
             <a:endParaRPr lang="en-US"/>
           </a:p>
@@ -6123,7 +6122,7 @@
           <a:p>
             <a:fld id="{11859447-1FF1-4571-A7A1-75F1CAF7F5D9}" type="datetime1">
               <a:rPr lang="en-US" smtClean="0"/>
-              <a:t>9/21/14</a:t>
+              <a:t>9/22/14</a:t>
             </a:fld>
             <a:endParaRPr lang="en-US"/>
           </a:p>
@@ -6212,7 +6211,7 @@
           <a:p>
             <a:fld id="{11859447-1FF1-4571-A7A1-75F1CAF7F5D9}" type="datetime1">
               <a:rPr lang="en-US" smtClean="0"/>
-              <a:t>9/21/14</a:t>
+              <a:t>9/22/14</a:t>
             </a:fld>
             <a:endParaRPr lang="en-US"/>
           </a:p>
@@ -6478,7 +6477,7 @@
           <a:p>
             <a:fld id="{11859447-1FF1-4571-A7A1-75F1CAF7F5D9}" type="datetime1">
               <a:rPr lang="en-US" smtClean="0"/>
-              <a:t>9/21/14</a:t>
+              <a:t>9/22/14</a:t>
             </a:fld>
             <a:endParaRPr lang="en-US"/>
           </a:p>
@@ -6642,7 +6641,7 @@
           <a:p>
             <a:fld id="{11859447-1FF1-4571-A7A1-75F1CAF7F5D9}" type="datetime1">
               <a:rPr lang="en-US" smtClean="0"/>
-              <a:t>9/21/14</a:t>
+              <a:t>9/22/14</a:t>
             </a:fld>
             <a:endParaRPr lang="en-US"/>
           </a:p>
@@ -6884,7 +6883,7 @@
           <a:p>
             <a:fld id="{11859447-1FF1-4571-A7A1-75F1CAF7F5D9}" type="datetime1">
               <a:rPr lang="en-US" smtClean="0"/>
-              <a:t>9/21/14</a:t>
+              <a:t>9/22/14</a:t>
             </a:fld>
             <a:endParaRPr lang="en-US"/>
           </a:p>
@@ -7048,7 +7047,7 @@
           <a:p>
             <a:fld id="{11859447-1FF1-4571-A7A1-75F1CAF7F5D9}" type="datetime1">
               <a:rPr lang="en-US" smtClean="0"/>
-              <a:t>9/21/14</a:t>
+              <a:t>9/22/14</a:t>
             </a:fld>
             <a:endParaRPr lang="en-US"/>
           </a:p>
@@ -7212,7 +7211,7 @@
           <a:p>
             <a:fld id="{11859447-1FF1-4571-A7A1-75F1CAF7F5D9}" type="datetime1">
               <a:rPr lang="en-US" smtClean="0"/>
-              <a:t>9/21/14</a:t>
+              <a:t>9/22/14</a:t>
             </a:fld>
             <a:endParaRPr lang="en-US"/>
           </a:p>
@@ -7394,7 +7393,7 @@
           <a:p>
             <a:fld id="{11859447-1FF1-4571-A7A1-75F1CAF7F5D9}" type="datetime1">
               <a:rPr lang="en-US" smtClean="0"/>
-              <a:t>9/21/14</a:t>
+              <a:t>9/22/14</a:t>
             </a:fld>
             <a:endParaRPr lang="en-US"/>
           </a:p>
@@ -7558,7 +7557,7 @@
           <a:p>
             <a:fld id="{11859447-1FF1-4571-A7A1-75F1CAF7F5D9}" type="datetime1">
               <a:rPr lang="en-US" smtClean="0"/>
-              <a:t>9/21/14</a:t>
+              <a:t>9/22/14</a:t>
             </a:fld>
             <a:endParaRPr lang="en-US"/>
           </a:p>
@@ -7744,7 +7743,7 @@
           <a:p>
             <a:fld id="{11859447-1FF1-4571-A7A1-75F1CAF7F5D9}" type="datetime1">
               <a:rPr lang="en-US" smtClean="0"/>
-              <a:t>9/21/14</a:t>
+              <a:t>9/22/14</a:t>
             </a:fld>
             <a:endParaRPr lang="en-US"/>
           </a:p>
@@ -8026,7 +8025,7 @@
           <a:p>
             <a:fld id="{11859447-1FF1-4571-A7A1-75F1CAF7F5D9}" type="datetime1">
               <a:rPr lang="en-US" smtClean="0"/>
-              <a:t>9/21/14</a:t>
+              <a:t>9/22/14</a:t>
             </a:fld>
             <a:endParaRPr lang="en-US"/>
           </a:p>
@@ -8442,7 +8441,7 @@
           <a:p>
             <a:fld id="{11859447-1FF1-4571-A7A1-75F1CAF7F5D9}" type="datetime1">
               <a:rPr lang="en-US" smtClean="0"/>
-              <a:t>9/21/14</a:t>
+              <a:t>9/22/14</a:t>
             </a:fld>
             <a:endParaRPr lang="en-US"/>
           </a:p>
@@ -8554,7 +8553,7 @@
           <a:p>
             <a:fld id="{11859447-1FF1-4571-A7A1-75F1CAF7F5D9}" type="datetime1">
               <a:rPr lang="en-US" smtClean="0"/>
-              <a:t>9/21/14</a:t>
+              <a:t>9/22/14</a:t>
             </a:fld>
             <a:endParaRPr lang="en-US"/>
           </a:p>
@@ -8643,7 +8642,7 @@
           <a:p>
             <a:fld id="{11859447-1FF1-4571-A7A1-75F1CAF7F5D9}" type="datetime1">
               <a:rPr lang="en-US" smtClean="0"/>
-              <a:t>9/21/14</a:t>
+              <a:t>9/22/14</a:t>
             </a:fld>
             <a:endParaRPr lang="en-US"/>
           </a:p>
@@ -8909,7 +8908,7 @@
           <a:p>
             <a:fld id="{11859447-1FF1-4571-A7A1-75F1CAF7F5D9}" type="datetime1">
               <a:rPr lang="en-US" smtClean="0"/>
-              <a:t>9/21/14</a:t>
+              <a:t>9/22/14</a:t>
             </a:fld>
             <a:endParaRPr lang="en-US"/>
           </a:p>
@@ -9073,7 +9072,7 @@
           <a:p>
             <a:fld id="{11859447-1FF1-4571-A7A1-75F1CAF7F5D9}" type="datetime1">
               <a:rPr lang="en-US" smtClean="0"/>
-              <a:t>9/21/14</a:t>
+              <a:t>9/22/14</a:t>
             </a:fld>
             <a:endParaRPr lang="en-US"/>
           </a:p>
@@ -9315,7 +9314,7 @@
           <a:p>
             <a:fld id="{11859447-1FF1-4571-A7A1-75F1CAF7F5D9}" type="datetime1">
               <a:rPr lang="en-US" smtClean="0"/>
-              <a:t>9/21/14</a:t>
+              <a:t>9/22/14</a:t>
             </a:fld>
             <a:endParaRPr lang="en-US"/>
           </a:p>
@@ -9479,7 +9478,7 @@
           <a:p>
             <a:fld id="{11859447-1FF1-4571-A7A1-75F1CAF7F5D9}" type="datetime1">
               <a:rPr lang="en-US" smtClean="0"/>
-              <a:t>9/21/14</a:t>
+              <a:t>9/22/14</a:t>
             </a:fld>
             <a:endParaRPr lang="en-US"/>
           </a:p>
@@ -9643,7 +9642,7 @@
           <a:p>
             <a:fld id="{11859447-1FF1-4571-A7A1-75F1CAF7F5D9}" type="datetime1">
               <a:rPr lang="en-US" smtClean="0"/>
-              <a:t>9/21/14</a:t>
+              <a:t>9/22/14</a:t>
             </a:fld>
             <a:endParaRPr lang="en-US"/>
           </a:p>
@@ -9825,7 +9824,7 @@
           <a:p>
             <a:fld id="{11859447-1FF1-4571-A7A1-75F1CAF7F5D9}" type="datetime1">
               <a:rPr lang="en-US" smtClean="0"/>
-              <a:t>9/21/14</a:t>
+              <a:t>9/22/14</a:t>
             </a:fld>
             <a:endParaRPr lang="en-US"/>
           </a:p>
@@ -9989,7 +9988,7 @@
           <a:p>
             <a:fld id="{11859447-1FF1-4571-A7A1-75F1CAF7F5D9}" type="datetime1">
               <a:rPr lang="en-US" smtClean="0"/>
-              <a:t>9/21/14</a:t>
+              <a:t>9/22/14</a:t>
             </a:fld>
             <a:endParaRPr lang="en-US"/>
           </a:p>
@@ -10175,7 +10174,7 @@
           <a:p>
             <a:fld id="{11859447-1FF1-4571-A7A1-75F1CAF7F5D9}" type="datetime1">
               <a:rPr lang="en-US" smtClean="0"/>
-              <a:t>9/21/14</a:t>
+              <a:t>9/22/14</a:t>
             </a:fld>
             <a:endParaRPr lang="en-US"/>
           </a:p>
@@ -10457,7 +10456,7 @@
           <a:p>
             <a:fld id="{11859447-1FF1-4571-A7A1-75F1CAF7F5D9}" type="datetime1">
               <a:rPr lang="en-US" smtClean="0"/>
-              <a:t>9/21/14</a:t>
+              <a:t>9/22/14</a:t>
             </a:fld>
             <a:endParaRPr lang="en-US"/>
           </a:p>
@@ -10873,7 +10872,7 @@
           <a:p>
             <a:fld id="{11859447-1FF1-4571-A7A1-75F1CAF7F5D9}" type="datetime1">
               <a:rPr lang="en-US" smtClean="0"/>
-              <a:t>9/21/14</a:t>
+              <a:t>9/22/14</a:t>
             </a:fld>
             <a:endParaRPr lang="en-US"/>
           </a:p>
@@ -10985,7 +10984,7 @@
           <a:p>
             <a:fld id="{11859447-1FF1-4571-A7A1-75F1CAF7F5D9}" type="datetime1">
               <a:rPr lang="en-US" smtClean="0"/>
-              <a:t>9/21/14</a:t>
+              <a:t>9/22/14</a:t>
             </a:fld>
             <a:endParaRPr lang="en-US"/>
           </a:p>
@@ -11074,7 +11073,7 @@
           <a:p>
             <a:fld id="{11859447-1FF1-4571-A7A1-75F1CAF7F5D9}" type="datetime1">
               <a:rPr lang="en-US" smtClean="0"/>
-              <a:t>9/21/14</a:t>
+              <a:t>9/22/14</a:t>
             </a:fld>
             <a:endParaRPr lang="en-US"/>
           </a:p>
@@ -11260,7 +11259,7 @@
           <a:p>
             <a:fld id="{11859447-1FF1-4571-A7A1-75F1CAF7F5D9}" type="datetime1">
               <a:rPr lang="en-US" smtClean="0"/>
-              <a:t>9/21/14</a:t>
+              <a:t>9/22/14</a:t>
             </a:fld>
             <a:endParaRPr lang="en-US"/>
           </a:p>
@@ -11526,7 +11525,7 @@
           <a:p>
             <a:fld id="{11859447-1FF1-4571-A7A1-75F1CAF7F5D9}" type="datetime1">
               <a:rPr lang="en-US" smtClean="0"/>
-              <a:t>9/21/14</a:t>
+              <a:t>9/22/14</a:t>
             </a:fld>
             <a:endParaRPr lang="en-US"/>
           </a:p>
@@ -11768,7 +11767,7 @@
           <a:p>
             <a:fld id="{11859447-1FF1-4571-A7A1-75F1CAF7F5D9}" type="datetime1">
               <a:rPr lang="en-US" smtClean="0"/>
-              <a:t>9/21/14</a:t>
+              <a:t>9/22/14</a:t>
             </a:fld>
             <a:endParaRPr lang="en-US"/>
           </a:p>
@@ -11932,7 +11931,7 @@
           <a:p>
             <a:fld id="{11859447-1FF1-4571-A7A1-75F1CAF7F5D9}" type="datetime1">
               <a:rPr lang="en-US" smtClean="0"/>
-              <a:t>9/21/14</a:t>
+              <a:t>9/22/14</a:t>
             </a:fld>
             <a:endParaRPr lang="en-US"/>
           </a:p>
@@ -12096,7 +12095,7 @@
           <a:p>
             <a:fld id="{11859447-1FF1-4571-A7A1-75F1CAF7F5D9}" type="datetime1">
               <a:rPr lang="en-US" smtClean="0"/>
-              <a:t>9/21/14</a:t>
+              <a:t>9/22/14</a:t>
             </a:fld>
             <a:endParaRPr lang="en-US"/>
           </a:p>
@@ -12278,7 +12277,7 @@
           <a:p>
             <a:fld id="{11859447-1FF1-4571-A7A1-75F1CAF7F5D9}" type="datetime1">
               <a:rPr lang="en-US" smtClean="0"/>
-              <a:t>9/21/14</a:t>
+              <a:t>9/22/14</a:t>
             </a:fld>
             <a:endParaRPr lang="en-US"/>
           </a:p>
@@ -12442,7 +12441,7 @@
           <a:p>
             <a:fld id="{11859447-1FF1-4571-A7A1-75F1CAF7F5D9}" type="datetime1">
               <a:rPr lang="en-US" smtClean="0"/>
-              <a:t>9/21/14</a:t>
+              <a:t>9/22/14</a:t>
             </a:fld>
             <a:endParaRPr lang="en-US"/>
           </a:p>
@@ -12628,7 +12627,7 @@
           <a:p>
             <a:fld id="{11859447-1FF1-4571-A7A1-75F1CAF7F5D9}" type="datetime1">
               <a:rPr lang="en-US" smtClean="0"/>
-              <a:t>9/21/14</a:t>
+              <a:t>9/22/14</a:t>
             </a:fld>
             <a:endParaRPr lang="en-US"/>
           </a:p>
@@ -12910,7 +12909,7 @@
           <a:p>
             <a:fld id="{11859447-1FF1-4571-A7A1-75F1CAF7F5D9}" type="datetime1">
               <a:rPr lang="en-US" smtClean="0"/>
-              <a:t>9/21/14</a:t>
+              <a:t>9/22/14</a:t>
             </a:fld>
             <a:endParaRPr lang="en-US"/>
           </a:p>
@@ -13326,7 +13325,7 @@
           <a:p>
             <a:fld id="{11859447-1FF1-4571-A7A1-75F1CAF7F5D9}" type="datetime1">
               <a:rPr lang="en-US" smtClean="0"/>
-              <a:t>9/21/14</a:t>
+              <a:t>9/22/14</a:t>
             </a:fld>
             <a:endParaRPr lang="en-US"/>
           </a:p>
@@ -13438,7 +13437,7 @@
           <a:p>
             <a:fld id="{11859447-1FF1-4571-A7A1-75F1CAF7F5D9}" type="datetime1">
               <a:rPr lang="en-US" smtClean="0"/>
-              <a:t>9/21/14</a:t>
+              <a:t>9/22/14</a:t>
             </a:fld>
             <a:endParaRPr lang="en-US"/>
           </a:p>
@@ -13720,7 +13719,7 @@
           <a:p>
             <a:fld id="{11859447-1FF1-4571-A7A1-75F1CAF7F5D9}" type="datetime1">
               <a:rPr lang="en-US" smtClean="0"/>
-              <a:t>9/21/14</a:t>
+              <a:t>9/22/14</a:t>
             </a:fld>
             <a:endParaRPr lang="en-US"/>
           </a:p>
@@ -13809,7 +13808,7 @@
           <a:p>
             <a:fld id="{11859447-1FF1-4571-A7A1-75F1CAF7F5D9}" type="datetime1">
               <a:rPr lang="en-US" smtClean="0"/>
-              <a:t>9/21/14</a:t>
+              <a:t>9/22/14</a:t>
             </a:fld>
             <a:endParaRPr lang="en-US"/>
           </a:p>
@@ -14075,7 +14074,7 @@
           <a:p>
             <a:fld id="{11859447-1FF1-4571-A7A1-75F1CAF7F5D9}" type="datetime1">
               <a:rPr lang="en-US" smtClean="0"/>
-              <a:t>9/21/14</a:t>
+              <a:t>9/22/14</a:t>
             </a:fld>
             <a:endParaRPr lang="en-US"/>
           </a:p>
@@ -14317,7 +14316,7 @@
           <a:p>
             <a:fld id="{11859447-1FF1-4571-A7A1-75F1CAF7F5D9}" type="datetime1">
               <a:rPr lang="en-US" smtClean="0"/>
-              <a:t>9/21/14</a:t>
+              <a:t>9/22/14</a:t>
             </a:fld>
             <a:endParaRPr lang="en-US"/>
           </a:p>
@@ -14481,7 +14480,7 @@
           <a:p>
             <a:fld id="{11859447-1FF1-4571-A7A1-75F1CAF7F5D9}" type="datetime1">
               <a:rPr lang="en-US" smtClean="0"/>
-              <a:t>9/21/14</a:t>
+              <a:t>9/22/14</a:t>
             </a:fld>
             <a:endParaRPr lang="en-US"/>
           </a:p>
@@ -14645,7 +14644,7 @@
           <a:p>
             <a:fld id="{11859447-1FF1-4571-A7A1-75F1CAF7F5D9}" type="datetime1">
               <a:rPr lang="en-US" smtClean="0"/>
-              <a:t>9/21/14</a:t>
+              <a:t>9/22/14</a:t>
             </a:fld>
             <a:endParaRPr lang="en-US"/>
           </a:p>
@@ -14827,7 +14826,7 @@
           <a:p>
             <a:fld id="{11859447-1FF1-4571-A7A1-75F1CAF7F5D9}" type="datetime1">
               <a:rPr lang="en-US" smtClean="0"/>
-              <a:t>9/21/14</a:t>
+              <a:t>9/22/14</a:t>
             </a:fld>
             <a:endParaRPr lang="en-US"/>
           </a:p>
@@ -14991,7 +14990,7 @@
           <a:p>
             <a:fld id="{11859447-1FF1-4571-A7A1-75F1CAF7F5D9}" type="datetime1">
               <a:rPr lang="en-US" smtClean="0"/>
-              <a:t>9/21/14</a:t>
+              <a:t>9/22/14</a:t>
             </a:fld>
             <a:endParaRPr lang="en-US"/>
           </a:p>
@@ -15177,7 +15176,7 @@
           <a:p>
             <a:fld id="{11859447-1FF1-4571-A7A1-75F1CAF7F5D9}" type="datetime1">
               <a:rPr lang="en-US" smtClean="0"/>
-              <a:t>9/21/14</a:t>
+              <a:t>9/22/14</a:t>
             </a:fld>
             <a:endParaRPr lang="en-US"/>
           </a:p>
@@ -15459,7 +15458,7 @@
           <a:p>
             <a:fld id="{11859447-1FF1-4571-A7A1-75F1CAF7F5D9}" type="datetime1">
               <a:rPr lang="en-US" smtClean="0"/>
-              <a:t>9/21/14</a:t>
+              <a:t>9/22/14</a:t>
             </a:fld>
             <a:endParaRPr lang="en-US"/>
           </a:p>
@@ -15875,7 +15874,7 @@
           <a:p>
             <a:fld id="{11859447-1FF1-4571-A7A1-75F1CAF7F5D9}" type="datetime1">
               <a:rPr lang="en-US" smtClean="0"/>
-              <a:t>9/21/14</a:t>
+              <a:t>9/22/14</a:t>
             </a:fld>
             <a:endParaRPr lang="en-US"/>
           </a:p>
@@ -16291,7 +16290,7 @@
           <a:p>
             <a:fld id="{11859447-1FF1-4571-A7A1-75F1CAF7F5D9}" type="datetime1">
               <a:rPr lang="en-US" smtClean="0"/>
-              <a:t>9/21/14</a:t>
+              <a:t>9/22/14</a:t>
             </a:fld>
             <a:endParaRPr lang="en-US"/>
           </a:p>
@@ -16403,7 +16402,7 @@
           <a:p>
             <a:fld id="{11859447-1FF1-4571-A7A1-75F1CAF7F5D9}" type="datetime1">
               <a:rPr lang="en-US" smtClean="0"/>
-              <a:t>9/21/14</a:t>
+              <a:t>9/22/14</a:t>
             </a:fld>
             <a:endParaRPr lang="en-US"/>
           </a:p>
@@ -16492,7 +16491,7 @@
           <a:p>
             <a:fld id="{11859447-1FF1-4571-A7A1-75F1CAF7F5D9}" type="datetime1">
               <a:rPr lang="en-US" smtClean="0"/>
-              <a:t>9/21/14</a:t>
+              <a:t>9/22/14</a:t>
             </a:fld>
             <a:endParaRPr lang="en-US"/>
           </a:p>
@@ -16758,7 +16757,7 @@
           <a:p>
             <a:fld id="{11859447-1FF1-4571-A7A1-75F1CAF7F5D9}" type="datetime1">
               <a:rPr lang="en-US" smtClean="0"/>
-              <a:t>9/21/14</a:t>
+              <a:t>9/22/14</a:t>
             </a:fld>
             <a:endParaRPr lang="en-US"/>
           </a:p>
@@ -17000,7 +16999,7 @@
           <a:p>
             <a:fld id="{11859447-1FF1-4571-A7A1-75F1CAF7F5D9}" type="datetime1">
               <a:rPr lang="en-US" smtClean="0"/>
-              <a:t>9/21/14</a:t>
+              <a:t>9/22/14</a:t>
             </a:fld>
             <a:endParaRPr lang="en-US"/>
           </a:p>
@@ -17164,7 +17163,7 @@
           <a:p>
             <a:fld id="{11859447-1FF1-4571-A7A1-75F1CAF7F5D9}" type="datetime1">
               <a:rPr lang="en-US" smtClean="0"/>
-              <a:t>9/21/14</a:t>
+              <a:t>9/22/14</a:t>
             </a:fld>
             <a:endParaRPr lang="en-US"/>
           </a:p>
@@ -17328,7 +17327,7 @@
           <a:p>
             <a:fld id="{11859447-1FF1-4571-A7A1-75F1CAF7F5D9}" type="datetime1">
               <a:rPr lang="en-US" smtClean="0"/>
-              <a:t>9/21/14</a:t>
+              <a:t>9/22/14</a:t>
             </a:fld>
             <a:endParaRPr lang="en-US"/>
           </a:p>
@@ -17510,7 +17509,7 @@
           <a:p>
             <a:fld id="{11859447-1FF1-4571-A7A1-75F1CAF7F5D9}" type="datetime1">
               <a:rPr lang="en-US" smtClean="0"/>
-              <a:t>9/21/14</a:t>
+              <a:t>9/22/14</a:t>
             </a:fld>
             <a:endParaRPr lang="en-US"/>
           </a:p>
@@ -17674,7 +17673,7 @@
           <a:p>
             <a:fld id="{11859447-1FF1-4571-A7A1-75F1CAF7F5D9}" type="datetime1">
               <a:rPr lang="en-US" smtClean="0"/>
-              <a:t>9/21/14</a:t>
+              <a:t>9/22/14</a:t>
             </a:fld>
             <a:endParaRPr lang="en-US"/>
           </a:p>
@@ -17860,7 +17859,7 @@
           <a:p>
             <a:fld id="{11859447-1FF1-4571-A7A1-75F1CAF7F5D9}" type="datetime1">
               <a:rPr lang="en-US" smtClean="0"/>
-              <a:t>9/21/14</a:t>
+              <a:t>9/22/14</a:t>
             </a:fld>
             <a:endParaRPr lang="en-US"/>
           </a:p>
@@ -18142,7 +18141,7 @@
           <a:p>
             <a:fld id="{11859447-1FF1-4571-A7A1-75F1CAF7F5D9}" type="datetime1">
               <a:rPr lang="en-US" smtClean="0"/>
-              <a:t>9/21/14</a:t>
+              <a:t>9/22/14</a:t>
             </a:fld>
             <a:endParaRPr lang="en-US"/>
           </a:p>
@@ -18254,7 +18253,7 @@
           <a:p>
             <a:fld id="{11859447-1FF1-4571-A7A1-75F1CAF7F5D9}" type="datetime1">
               <a:rPr lang="en-US" smtClean="0"/>
-              <a:t>9/21/14</a:t>
+              <a:t>9/22/14</a:t>
             </a:fld>
             <a:endParaRPr lang="en-US"/>
           </a:p>
@@ -18670,7 +18669,7 @@
           <a:p>
             <a:fld id="{11859447-1FF1-4571-A7A1-75F1CAF7F5D9}" type="datetime1">
               <a:rPr lang="en-US" smtClean="0"/>
-              <a:t>9/21/14</a:t>
+              <a:t>9/22/14</a:t>
             </a:fld>
             <a:endParaRPr lang="en-US"/>
           </a:p>
@@ -18782,7 +18781,7 @@
           <a:p>
             <a:fld id="{11859447-1FF1-4571-A7A1-75F1CAF7F5D9}" type="datetime1">
               <a:rPr lang="en-US" smtClean="0"/>
-              <a:t>9/21/14</a:t>
+              <a:t>9/22/14</a:t>
             </a:fld>
             <a:endParaRPr lang="en-US"/>
           </a:p>
@@ -18871,7 +18870,7 @@
           <a:p>
             <a:fld id="{11859447-1FF1-4571-A7A1-75F1CAF7F5D9}" type="datetime1">
               <a:rPr lang="en-US" smtClean="0"/>
-              <a:t>9/21/14</a:t>
+              <a:t>9/22/14</a:t>
             </a:fld>
             <a:endParaRPr lang="en-US"/>
           </a:p>
@@ -19137,7 +19136,7 @@
           <a:p>
             <a:fld id="{11859447-1FF1-4571-A7A1-75F1CAF7F5D9}" type="datetime1">
               <a:rPr lang="en-US" smtClean="0"/>
-              <a:t>9/21/14</a:t>
+              <a:t>9/22/14</a:t>
             </a:fld>
             <a:endParaRPr lang="en-US"/>
           </a:p>
@@ -19379,7 +19378,7 @@
           <a:p>
             <a:fld id="{11859447-1FF1-4571-A7A1-75F1CAF7F5D9}" type="datetime1">
               <a:rPr lang="en-US" smtClean="0"/>
-              <a:t>9/21/14</a:t>
+              <a:t>9/22/14</a:t>
             </a:fld>
             <a:endParaRPr lang="en-US"/>
           </a:p>
@@ -19543,7 +19542,7 @@
           <a:p>
             <a:fld id="{11859447-1FF1-4571-A7A1-75F1CAF7F5D9}" type="datetime1">
               <a:rPr lang="en-US" smtClean="0"/>
-              <a:t>9/21/14</a:t>
+              <a:t>9/22/14</a:t>
             </a:fld>
             <a:endParaRPr lang="en-US"/>
           </a:p>
@@ -19707,7 +19706,7 @@
           <a:p>
             <a:fld id="{11859447-1FF1-4571-A7A1-75F1CAF7F5D9}" type="datetime1">
               <a:rPr lang="en-US" smtClean="0"/>
-              <a:t>9/21/14</a:t>
+              <a:t>9/22/14</a:t>
             </a:fld>
             <a:endParaRPr lang="en-US"/>
           </a:p>
@@ -19889,7 +19888,7 @@
           <a:p>
             <a:fld id="{11859447-1FF1-4571-A7A1-75F1CAF7F5D9}" type="datetime1">
               <a:rPr lang="en-US" smtClean="0"/>
-              <a:t>9/21/14</a:t>
+              <a:t>9/22/14</a:t>
             </a:fld>
             <a:endParaRPr lang="en-US"/>
           </a:p>
@@ -20053,7 +20052,7 @@
           <a:p>
             <a:fld id="{11859447-1FF1-4571-A7A1-75F1CAF7F5D9}" type="datetime1">
               <a:rPr lang="en-US" smtClean="0"/>
-              <a:t>9/21/14</a:t>
+              <a:t>9/22/14</a:t>
             </a:fld>
             <a:endParaRPr lang="en-US"/>
           </a:p>
@@ -20239,7 +20238,7 @@
           <a:p>
             <a:fld id="{11859447-1FF1-4571-A7A1-75F1CAF7F5D9}" type="datetime1">
               <a:rPr lang="en-US" smtClean="0"/>
-              <a:t>9/21/14</a:t>
+              <a:t>9/22/14</a:t>
             </a:fld>
             <a:endParaRPr lang="en-US"/>
           </a:p>
@@ -20328,7 +20327,7 @@
           <a:p>
             <a:fld id="{11859447-1FF1-4571-A7A1-75F1CAF7F5D9}" type="datetime1">
               <a:rPr lang="en-US" smtClean="0"/>
-              <a:t>9/21/14</a:t>
+              <a:t>9/22/14</a:t>
             </a:fld>
             <a:endParaRPr lang="en-US"/>
           </a:p>
@@ -20610,7 +20609,7 @@
           <a:p>
             <a:fld id="{11859447-1FF1-4571-A7A1-75F1CAF7F5D9}" type="datetime1">
               <a:rPr lang="en-US" smtClean="0"/>
-              <a:t>9/21/14</a:t>
+              <a:t>9/22/14</a:t>
             </a:fld>
             <a:endParaRPr lang="en-US"/>
           </a:p>
@@ -21026,7 +21025,7 @@
           <a:p>
             <a:fld id="{11859447-1FF1-4571-A7A1-75F1CAF7F5D9}" type="datetime1">
               <a:rPr lang="en-US" smtClean="0"/>
-              <a:t>9/21/14</a:t>
+              <a:t>9/22/14</a:t>
             </a:fld>
             <a:endParaRPr lang="en-US"/>
           </a:p>
@@ -21138,7 +21137,7 @@
           <a:p>
             <a:fld id="{11859447-1FF1-4571-A7A1-75F1CAF7F5D9}" type="datetime1">
               <a:rPr lang="en-US" smtClean="0"/>
-              <a:t>9/21/14</a:t>
+              <a:t>9/22/14</a:t>
             </a:fld>
             <a:endParaRPr lang="en-US"/>
           </a:p>
@@ -21227,7 +21226,7 @@
           <a:p>
             <a:fld id="{11859447-1FF1-4571-A7A1-75F1CAF7F5D9}" type="datetime1">
               <a:rPr lang="en-US" smtClean="0"/>
-              <a:t>9/21/14</a:t>
+              <a:t>9/22/14</a:t>
             </a:fld>
             <a:endParaRPr lang="en-US"/>
           </a:p>
@@ -21493,7 +21492,7 @@
           <a:p>
             <a:fld id="{11859447-1FF1-4571-A7A1-75F1CAF7F5D9}" type="datetime1">
               <a:rPr lang="en-US" smtClean="0"/>
-              <a:t>9/21/14</a:t>
+              <a:t>9/22/14</a:t>
             </a:fld>
             <a:endParaRPr lang="en-US"/>
           </a:p>
@@ -21735,7 +21734,7 @@
           <a:p>
             <a:fld id="{11859447-1FF1-4571-A7A1-75F1CAF7F5D9}" type="datetime1">
               <a:rPr lang="en-US" smtClean="0"/>
-              <a:t>9/21/14</a:t>
+              <a:t>9/22/14</a:t>
             </a:fld>
             <a:endParaRPr lang="en-US"/>
           </a:p>
@@ -21899,7 +21898,7 @@
           <a:p>
             <a:fld id="{11859447-1FF1-4571-A7A1-75F1CAF7F5D9}" type="datetime1">
               <a:rPr lang="en-US" smtClean="0"/>
-              <a:t>9/21/14</a:t>
+              <a:t>9/22/14</a:t>
             </a:fld>
             <a:endParaRPr lang="en-US"/>
           </a:p>
@@ -22063,7 +22062,7 @@
           <a:p>
             <a:fld id="{11859447-1FF1-4571-A7A1-75F1CAF7F5D9}" type="datetime1">
               <a:rPr lang="en-US" smtClean="0"/>
-              <a:t>9/21/14</a:t>
+              <a:t>9/22/14</a:t>
             </a:fld>
             <a:endParaRPr lang="en-US"/>
           </a:p>
@@ -22245,7 +22244,7 @@
           <a:p>
             <a:fld id="{11859447-1FF1-4571-A7A1-75F1CAF7F5D9}" type="datetime1">
               <a:rPr lang="en-US" smtClean="0"/>
-              <a:t>9/21/14</a:t>
+              <a:t>9/22/14</a:t>
             </a:fld>
             <a:endParaRPr lang="en-US"/>
           </a:p>
@@ -22409,7 +22408,7 @@
           <a:p>
             <a:fld id="{11859447-1FF1-4571-A7A1-75F1CAF7F5D9}" type="datetime1">
               <a:rPr lang="en-US" smtClean="0"/>
-              <a:t>9/21/14</a:t>
+              <a:t>9/22/14</a:t>
             </a:fld>
             <a:endParaRPr lang="en-US"/>
           </a:p>
@@ -22675,7 +22674,7 @@
           <a:p>
             <a:fld id="{11859447-1FF1-4571-A7A1-75F1CAF7F5D9}" type="datetime1">
               <a:rPr lang="en-US" smtClean="0"/>
-              <a:t>9/21/14</a:t>
+              <a:t>9/22/14</a:t>
             </a:fld>
             <a:endParaRPr lang="en-US"/>
           </a:p>
@@ -22861,7 +22860,7 @@
           <a:p>
             <a:fld id="{11859447-1FF1-4571-A7A1-75F1CAF7F5D9}" type="datetime1">
               <a:rPr lang="en-US" smtClean="0"/>
-              <a:t>9/21/14</a:t>
+              <a:t>9/22/14</a:t>
             </a:fld>
             <a:endParaRPr lang="en-US"/>
           </a:p>
@@ -23143,7 +23142,7 @@
           <a:p>
             <a:fld id="{11859447-1FF1-4571-A7A1-75F1CAF7F5D9}" type="datetime1">
               <a:rPr lang="en-US" smtClean="0"/>
-              <a:t>9/21/14</a:t>
+              <a:t>9/22/14</a:t>
             </a:fld>
             <a:endParaRPr lang="en-US"/>
           </a:p>
@@ -23559,7 +23558,7 @@
           <a:p>
             <a:fld id="{11859447-1FF1-4571-A7A1-75F1CAF7F5D9}" type="datetime1">
               <a:rPr lang="en-US" smtClean="0"/>
-              <a:t>9/21/14</a:t>
+              <a:t>9/22/14</a:t>
             </a:fld>
             <a:endParaRPr lang="en-US"/>
           </a:p>
@@ -23671,7 +23670,7 @@
           <a:p>
             <a:fld id="{11859447-1FF1-4571-A7A1-75F1CAF7F5D9}" type="datetime1">
               <a:rPr lang="en-US" smtClean="0"/>
-              <a:t>9/21/14</a:t>
+              <a:t>9/22/14</a:t>
             </a:fld>
             <a:endParaRPr lang="en-US"/>
           </a:p>
@@ -23760,7 +23759,7 @@
           <a:p>
             <a:fld id="{11859447-1FF1-4571-A7A1-75F1CAF7F5D9}" type="datetime1">
               <a:rPr lang="en-US" smtClean="0"/>
-              <a:t>9/21/14</a:t>
+              <a:t>9/22/14</a:t>
             </a:fld>
             <a:endParaRPr lang="en-US"/>
           </a:p>
@@ -24026,7 +24025,7 @@
           <a:p>
             <a:fld id="{11859447-1FF1-4571-A7A1-75F1CAF7F5D9}" type="datetime1">
               <a:rPr lang="en-US" smtClean="0"/>
-              <a:t>9/21/14</a:t>
+              <a:t>9/22/14</a:t>
             </a:fld>
             <a:endParaRPr lang="en-US"/>
           </a:p>
@@ -24268,7 +24267,7 @@
           <a:p>
             <a:fld id="{11859447-1FF1-4571-A7A1-75F1CAF7F5D9}" type="datetime1">
               <a:rPr lang="en-US" smtClean="0"/>
-              <a:t>9/21/14</a:t>
+              <a:t>9/22/14</a:t>
             </a:fld>
             <a:endParaRPr lang="en-US"/>
           </a:p>
@@ -24432,7 +24431,7 @@
           <a:p>
             <a:fld id="{11859447-1FF1-4571-A7A1-75F1CAF7F5D9}" type="datetime1">
               <a:rPr lang="en-US" smtClean="0"/>
-              <a:t>9/21/14</a:t>
+              <a:t>9/22/14</a:t>
             </a:fld>
             <a:endParaRPr lang="en-US"/>
           </a:p>
@@ -24596,7 +24595,7 @@
           <a:p>
             <a:fld id="{11859447-1FF1-4571-A7A1-75F1CAF7F5D9}" type="datetime1">
               <a:rPr lang="en-US" smtClean="0"/>
-              <a:t>9/21/14</a:t>
+              <a:t>9/22/14</a:t>
             </a:fld>
             <a:endParaRPr lang="en-US"/>
           </a:p>
@@ -25001,7 +25000,7 @@
           <a:p>
             <a:fld id="{11859447-1FF1-4571-A7A1-75F1CAF7F5D9}" type="datetime1">
               <a:rPr lang="en-US" smtClean="0"/>
-              <a:t>9/21/14</a:t>
+              <a:t>9/22/14</a:t>
             </a:fld>
             <a:endParaRPr lang="en-US"/>
           </a:p>
@@ -25518,7 +25517,7 @@
           <a:p>
             <a:fld id="{11859447-1FF1-4571-A7A1-75F1CAF7F5D9}" type="datetime1">
               <a:rPr lang="en-US" smtClean="0"/>
-              <a:t>9/21/14</a:t>
+              <a:t>9/22/14</a:t>
             </a:fld>
             <a:endParaRPr lang="en-US"/>
           </a:p>
@@ -25682,7 +25681,7 @@
           <a:p>
             <a:fld id="{11859447-1FF1-4571-A7A1-75F1CAF7F5D9}" type="datetime1">
               <a:rPr lang="en-US" smtClean="0"/>
-              <a:t>9/21/14</a:t>
+              <a:t>9/22/14</a:t>
             </a:fld>
             <a:endParaRPr lang="en-US"/>
           </a:p>
@@ -25868,7 +25867,7 @@
           <a:p>
             <a:fld id="{11859447-1FF1-4571-A7A1-75F1CAF7F5D9}" type="datetime1">
               <a:rPr lang="en-US" smtClean="0"/>
-              <a:t>9/21/14</a:t>
+              <a:t>9/22/14</a:t>
             </a:fld>
             <a:endParaRPr lang="en-US"/>
           </a:p>
@@ -26150,7 +26149,7 @@
           <a:p>
             <a:fld id="{11859447-1FF1-4571-A7A1-75F1CAF7F5D9}" type="datetime1">
               <a:rPr lang="en-US" smtClean="0"/>
-              <a:t>9/21/14</a:t>
+              <a:t>9/22/14</a:t>
             </a:fld>
             <a:endParaRPr lang="en-US"/>
           </a:p>
@@ -26566,7 +26565,7 @@
           <a:p>
             <a:fld id="{11859447-1FF1-4571-A7A1-75F1CAF7F5D9}" type="datetime1">
               <a:rPr lang="en-US" smtClean="0"/>
-              <a:t>9/21/14</a:t>
+              <a:t>9/22/14</a:t>
             </a:fld>
             <a:endParaRPr lang="en-US"/>
           </a:p>
@@ -26678,7 +26677,7 @@
           <a:p>
             <a:fld id="{11859447-1FF1-4571-A7A1-75F1CAF7F5D9}" type="datetime1">
               <a:rPr lang="en-US" smtClean="0"/>
-              <a:t>9/21/14</a:t>
+              <a:t>9/22/14</a:t>
             </a:fld>
             <a:endParaRPr lang="en-US"/>
           </a:p>
@@ -26767,7 +26766,7 @@
           <a:p>
             <a:fld id="{11859447-1FF1-4571-A7A1-75F1CAF7F5D9}" type="datetime1">
               <a:rPr lang="en-US" smtClean="0"/>
-              <a:t>9/21/14</a:t>
+              <a:t>9/22/14</a:t>
             </a:fld>
             <a:endParaRPr lang="en-US"/>
           </a:p>
@@ -27033,7 +27032,7 @@
           <a:p>
             <a:fld id="{11859447-1FF1-4571-A7A1-75F1CAF7F5D9}" type="datetime1">
               <a:rPr lang="en-US" smtClean="0"/>
-              <a:t>9/21/14</a:t>
+              <a:t>9/22/14</a:t>
             </a:fld>
             <a:endParaRPr lang="en-US"/>
           </a:p>
@@ -27275,7 +27274,7 @@
           <a:p>
             <a:fld id="{11859447-1FF1-4571-A7A1-75F1CAF7F5D9}" type="datetime1">
               <a:rPr lang="en-US" smtClean="0"/>
-              <a:t>9/21/14</a:t>
+              <a:t>9/22/14</a:t>
             </a:fld>
             <a:endParaRPr lang="en-US"/>
           </a:p>
@@ -27528,7 +27527,7 @@
             </a:pPr>
             <a:fld id="{11859447-1FF1-4571-A7A1-75F1CAF7F5D9}" type="datetime1">
               <a:rPr lang="en-US" sz="1400" dirty="0" smtClean="0"/>
-              <a:t>9/21/14</a:t>
+              <a:t>9/22/14</a:t>
             </a:fld>
             <a:endParaRPr lang="en-US" sz="1400" dirty="0" smtClean="0"/>
           </a:p>
@@ -28097,7 +28096,7 @@
             </a:pPr>
             <a:fld id="{11859447-1FF1-4571-A7A1-75F1CAF7F5D9}" type="datetime1">
               <a:rPr lang="en-US" sz="1400" dirty="0" smtClean="0"/>
-              <a:t>9/21/14</a:t>
+              <a:t>9/22/14</a:t>
             </a:fld>
             <a:endParaRPr lang="en-US" sz="1400" dirty="0" smtClean="0"/>
           </a:p>
@@ -28663,7 +28662,7 @@
             </a:pPr>
             <a:fld id="{11859447-1FF1-4571-A7A1-75F1CAF7F5D9}" type="datetime1">
               <a:rPr lang="en-US" sz="1400" dirty="0" smtClean="0"/>
-              <a:t>9/21/14</a:t>
+              <a:t>9/22/14</a:t>
             </a:fld>
             <a:endParaRPr lang="en-US" sz="1400" dirty="0" smtClean="0"/>
           </a:p>
@@ -29232,7 +29231,7 @@
             </a:pPr>
             <a:fld id="{11859447-1FF1-4571-A7A1-75F1CAF7F5D9}" type="datetime1">
               <a:rPr lang="en-US" sz="1400" dirty="0" smtClean="0"/>
-              <a:t>9/21/14</a:t>
+              <a:t>9/22/14</a:t>
             </a:fld>
             <a:endParaRPr lang="en-US" sz="1400" dirty="0" smtClean="0"/>
           </a:p>
@@ -29798,7 +29797,7 @@
             </a:pPr>
             <a:fld id="{11859447-1FF1-4571-A7A1-75F1CAF7F5D9}" type="datetime1">
               <a:rPr lang="en-US" sz="1400" dirty="0" smtClean="0"/>
-              <a:t>9/21/14</a:t>
+              <a:t>9/22/14</a:t>
             </a:fld>
             <a:endParaRPr lang="en-US" sz="1400" dirty="0" smtClean="0"/>
           </a:p>
@@ -30364,7 +30363,7 @@
             </a:pPr>
             <a:fld id="{11859447-1FF1-4571-A7A1-75F1CAF7F5D9}" type="datetime1">
               <a:rPr lang="en-US" sz="1400" dirty="0" smtClean="0"/>
-              <a:t>9/21/14</a:t>
+              <a:t>9/22/14</a:t>
             </a:fld>
             <a:endParaRPr lang="en-US" sz="1400" dirty="0" smtClean="0"/>
           </a:p>
@@ -30930,7 +30929,7 @@
             </a:pPr>
             <a:fld id="{11859447-1FF1-4571-A7A1-75F1CAF7F5D9}" type="datetime1">
               <a:rPr lang="en-US" sz="1400" dirty="0" smtClean="0"/>
-              <a:t>9/21/14</a:t>
+              <a:t>9/22/14</a:t>
             </a:fld>
             <a:endParaRPr lang="en-US" sz="1400" dirty="0" smtClean="0"/>
           </a:p>
@@ -31499,7 +31498,7 @@
             </a:pPr>
             <a:fld id="{11859447-1FF1-4571-A7A1-75F1CAF7F5D9}" type="datetime1">
               <a:rPr lang="en-US" sz="1400" dirty="0" smtClean="0"/>
-              <a:t>9/21/14</a:t>
+              <a:t>9/22/14</a:t>
             </a:fld>
             <a:endParaRPr lang="en-US" sz="1400" dirty="0" smtClean="0"/>
           </a:p>
@@ -32068,7 +32067,7 @@
             </a:pPr>
             <a:fld id="{11859447-1FF1-4571-A7A1-75F1CAF7F5D9}" type="datetime1">
               <a:rPr lang="en-US" sz="1400" dirty="0" smtClean="0"/>
-              <a:t>9/21/14</a:t>
+              <a:t>9/22/14</a:t>
             </a:fld>
             <a:endParaRPr lang="en-US" sz="1400" dirty="0" smtClean="0"/>
           </a:p>
@@ -32639,7 +32638,7 @@
             </a:pPr>
             <a:fld id="{11859447-1FF1-4571-A7A1-75F1CAF7F5D9}" type="datetime1">
               <a:rPr lang="en-US" sz="1400" dirty="0" smtClean="0"/>
-              <a:t>9/21/14</a:t>
+              <a:t>9/22/14</a:t>
             </a:fld>
             <a:endParaRPr lang="en-US" sz="1400" dirty="0" smtClean="0"/>
           </a:p>
@@ -33133,112 +33132,6 @@
           <a:p>
             <a:r>
               <a:rPr lang="en-US" dirty="0" smtClean="0"/>
-              <a:t>Vector Examples</a:t>
-            </a:r>
-            <a:endParaRPr lang="en-US" dirty="0"/>
-          </a:p>
-        </p:txBody>
-      </p:sp>
-      <p:sp>
-        <p:nvSpPr>
-          <p:cNvPr id="3" name="Content Placeholder 2"/>
-          <p:cNvSpPr>
-            <a:spLocks noGrp="1"/>
-          </p:cNvSpPr>
-          <p:nvPr>
-            <p:ph idx="1"/>
-          </p:nvPr>
-        </p:nvSpPr>
-        <p:spPr/>
-        <p:txBody>
-          <a:bodyPr/>
-          <a:lstStyle/>
-          <a:p>
-            <a:r>
-              <a:rPr lang="en-US" dirty="0" smtClean="0"/>
-              <a:t>We can apply functions to vectors</a:t>
-            </a:r>
-            <a:endParaRPr lang="en-US" dirty="0"/>
-          </a:p>
-        </p:txBody>
-      </p:sp>
-      <p:pic>
-        <p:nvPicPr>
-          <p:cNvPr id="6" name="Picture 5" descr="Screen Shot 2013-10-07 at 11.05.09 AM.png"/>
-          <p:cNvPicPr>
-            <a:picLocks noChangeAspect="1"/>
-          </p:cNvPicPr>
-          <p:nvPr/>
-        </p:nvPicPr>
-        <p:blipFill>
-          <a:blip r:embed="rId2">
-            <a:extLst>
-              <a:ext uri="{28A0092B-C50C-407E-A947-70E740481C1C}">
-                <a14:useLocalDpi xmlns:a14="http://schemas.microsoft.com/office/drawing/2010/main" val="0"/>
-              </a:ext>
-            </a:extLst>
-          </a:blip>
-          <a:stretch>
-            <a:fillRect/>
-          </a:stretch>
-        </p:blipFill>
-        <p:spPr>
-          <a:xfrm>
-            <a:off x="163512" y="3017837"/>
-            <a:ext cx="9652000" cy="3352800"/>
-          </a:xfrm>
-          <a:prstGeom prst="rect">
-            <a:avLst/>
-          </a:prstGeom>
-        </p:spPr>
-      </p:pic>
-    </p:spTree>
-    <p:extLst>
-      <p:ext uri="{BB962C8B-B14F-4D97-AF65-F5344CB8AC3E}">
-        <p14:creationId xmlns:p14="http://schemas.microsoft.com/office/powerpoint/2010/main" val="2400801689"/>
-      </p:ext>
-    </p:extLst>
-  </p:cSld>
-  <p:clrMapOvr>
-    <a:masterClrMapping/>
-  </p:clrMapOvr>
-</p:sld>
-</file>
-
-<file path=ppt/slides/slide11.xml><?xml version="1.0" encoding="utf-8"?>
-<p:sld xmlns:a="http://schemas.openxmlformats.org/drawingml/2006/main" xmlns:r="http://schemas.openxmlformats.org/officeDocument/2006/relationships" xmlns:p="http://schemas.openxmlformats.org/presentationml/2006/main">
-  <p:cSld>
-    <p:spTree>
-      <p:nvGrpSpPr>
-        <p:cNvPr id="1" name=""/>
-        <p:cNvGrpSpPr/>
-        <p:nvPr/>
-      </p:nvGrpSpPr>
-      <p:grpSpPr>
-        <a:xfrm>
-          <a:off x="0" y="0"/>
-          <a:ext cx="0" cy="0"/>
-          <a:chOff x="0" y="0"/>
-          <a:chExt cx="0" cy="0"/>
-        </a:xfrm>
-      </p:grpSpPr>
-      <p:sp>
-        <p:nvSpPr>
-          <p:cNvPr id="2" name="Title 1"/>
-          <p:cNvSpPr>
-            <a:spLocks noGrp="1"/>
-          </p:cNvSpPr>
-          <p:nvPr>
-            <p:ph type="title"/>
-          </p:nvPr>
-        </p:nvSpPr>
-        <p:spPr/>
-        <p:txBody>
-          <a:bodyPr/>
-          <a:lstStyle/>
-          <a:p>
-            <a:r>
-              <a:rPr lang="en-US" dirty="0" smtClean="0"/>
               <a:t>Combining Vectors</a:t>
             </a:r>
             <a:endParaRPr lang="en-US" dirty="0"/>
@@ -33341,7 +33234,7 @@
 </p:sld>
 </file>
 
-<file path=ppt/slides/slide12.xml><?xml version="1.0" encoding="utf-8"?>
+<file path=ppt/slides/slide11.xml><?xml version="1.0" encoding="utf-8"?>
 <p:sld xmlns:a="http://schemas.openxmlformats.org/drawingml/2006/main" xmlns:r="http://schemas.openxmlformats.org/officeDocument/2006/relationships" xmlns:p="http://schemas.openxmlformats.org/presentationml/2006/main">
   <p:cSld>
     <p:spTree>
@@ -33602,7 +33495,7 @@
 </p:sld>
 </file>
 
-<file path=ppt/slides/slide13.xml><?xml version="1.0" encoding="utf-8"?>
+<file path=ppt/slides/slide12.xml><?xml version="1.0" encoding="utf-8"?>
 <p:sld xmlns:a="http://schemas.openxmlformats.org/drawingml/2006/main" xmlns:r="http://schemas.openxmlformats.org/officeDocument/2006/relationships" xmlns:p="http://schemas.openxmlformats.org/presentationml/2006/main">
   <p:cSld>
     <p:spTree>
@@ -33718,7 +33611,7 @@
 </p:sld>
 </file>
 
-<file path=ppt/slides/slide14.xml><?xml version="1.0" encoding="utf-8"?>
+<file path=ppt/slides/slide13.xml><?xml version="1.0" encoding="utf-8"?>
 <p:sld xmlns:a="http://schemas.openxmlformats.org/drawingml/2006/main" xmlns:r="http://schemas.openxmlformats.org/officeDocument/2006/relationships" xmlns:p="http://schemas.openxmlformats.org/presentationml/2006/main">
   <p:cSld>
     <p:spTree>
@@ -33844,7 +33737,7 @@
 </p:sld>
 </file>
 
-<file path=ppt/slides/slide15.xml><?xml version="1.0" encoding="utf-8"?>
+<file path=ppt/slides/slide14.xml><?xml version="1.0" encoding="utf-8"?>
 <p:sld xmlns:a="http://schemas.openxmlformats.org/drawingml/2006/main" xmlns:r="http://schemas.openxmlformats.org/officeDocument/2006/relationships" xmlns:p="http://schemas.openxmlformats.org/presentationml/2006/main">
   <p:cSld>
     <p:spTree>
@@ -33950,7 +33843,7 @@
 </p:sld>
 </file>
 
-<file path=ppt/slides/slide16.xml><?xml version="1.0" encoding="utf-8"?>
+<file path=ppt/slides/slide15.xml><?xml version="1.0" encoding="utf-8"?>
 <p:sld xmlns:a="http://schemas.openxmlformats.org/drawingml/2006/main" xmlns:r="http://schemas.openxmlformats.org/officeDocument/2006/relationships" xmlns:p="http://schemas.openxmlformats.org/presentationml/2006/main">
   <p:cSld>
     <p:spTree>
@@ -34072,7 +33965,7 @@
 </p:sld>
 </file>
 
-<file path=ppt/slides/slide17.xml><?xml version="1.0" encoding="utf-8"?>
+<file path=ppt/slides/slide16.xml><?xml version="1.0" encoding="utf-8"?>
 <p:sld xmlns:a="http://schemas.openxmlformats.org/drawingml/2006/main" xmlns:r="http://schemas.openxmlformats.org/officeDocument/2006/relationships" xmlns:p="http://schemas.openxmlformats.org/presentationml/2006/main">
   <p:cSld>
     <p:spTree>
@@ -34155,7 +34048,7 @@
 </p:sld>
 </file>
 
-<file path=ppt/slides/slide18.xml><?xml version="1.0" encoding="utf-8"?>
+<file path=ppt/slides/slide17.xml><?xml version="1.0" encoding="utf-8"?>
 <p:sld xmlns:a="http://schemas.openxmlformats.org/drawingml/2006/main" xmlns:r="http://schemas.openxmlformats.org/officeDocument/2006/relationships" xmlns:p="http://schemas.openxmlformats.org/presentationml/2006/main">
   <p:cSld>
     <p:spTree>
@@ -34261,7 +34154,7 @@
 </p:sld>
 </file>
 
-<file path=ppt/slides/slide19.xml><?xml version="1.0" encoding="utf-8"?>
+<file path=ppt/slides/slide18.xml><?xml version="1.0" encoding="utf-8"?>
 <p:sld xmlns:a="http://schemas.openxmlformats.org/drawingml/2006/main" xmlns:r="http://schemas.openxmlformats.org/officeDocument/2006/relationships" xmlns:p="http://schemas.openxmlformats.org/presentationml/2006/main">
   <p:cSld>
     <p:spTree>
@@ -34430,95 +34323,7 @@
 </p:sld>
 </file>
 
-<file path=ppt/slides/slide2.xml><?xml version="1.0" encoding="utf-8"?>
-<p:sld xmlns:a="http://schemas.openxmlformats.org/drawingml/2006/main" xmlns:r="http://schemas.openxmlformats.org/officeDocument/2006/relationships" xmlns:p="http://schemas.openxmlformats.org/presentationml/2006/main">
-  <p:cSld>
-    <p:spTree>
-      <p:nvGrpSpPr>
-        <p:cNvPr id="1" name=""/>
-        <p:cNvGrpSpPr/>
-        <p:nvPr/>
-      </p:nvGrpSpPr>
-      <p:grpSpPr>
-        <a:xfrm>
-          <a:off x="0" y="0"/>
-          <a:ext cx="0" cy="0"/>
-          <a:chOff x="0" y="0"/>
-          <a:chExt cx="0" cy="0"/>
-        </a:xfrm>
-      </p:grpSpPr>
-      <p:sp>
-        <p:nvSpPr>
-          <p:cNvPr id="2" name="Title 1"/>
-          <p:cNvSpPr>
-            <a:spLocks noGrp="1"/>
-          </p:cNvSpPr>
-          <p:nvPr>
-            <p:ph type="title"/>
-          </p:nvPr>
-        </p:nvSpPr>
-        <p:spPr/>
-        <p:txBody>
-          <a:bodyPr/>
-          <a:lstStyle/>
-          <a:p>
-            <a:r>
-              <a:rPr lang="en-US" dirty="0" err="1" smtClean="0"/>
-              <a:t>Kaggle</a:t>
-            </a:r>
-            <a:r>
-              <a:rPr lang="en-US" dirty="0" smtClean="0"/>
-              <a:t> Assignment 1</a:t>
-            </a:r>
-            <a:endParaRPr lang="en-US" dirty="0"/>
-          </a:p>
-        </p:txBody>
-      </p:sp>
-      <p:sp>
-        <p:nvSpPr>
-          <p:cNvPr id="3" name="Content Placeholder 2"/>
-          <p:cNvSpPr>
-            <a:spLocks noGrp="1"/>
-          </p:cNvSpPr>
-          <p:nvPr>
-            <p:ph idx="1"/>
-          </p:nvPr>
-        </p:nvSpPr>
-        <p:spPr/>
-        <p:txBody>
-          <a:bodyPr/>
-          <a:lstStyle/>
-          <a:p>
-            <a:r>
-              <a:rPr lang="en-US" dirty="0" smtClean="0"/>
-              <a:t>See Class Wiki</a:t>
-            </a:r>
-          </a:p>
-          <a:p>
-            <a:r>
-              <a:rPr lang="en-US" dirty="0" smtClean="0"/>
-              <a:t>Be sure to update with project you have selected</a:t>
-            </a:r>
-          </a:p>
-          <a:p>
-            <a:endParaRPr lang="en-US" dirty="0"/>
-          </a:p>
-        </p:txBody>
-      </p:sp>
-    </p:spTree>
-    <p:extLst>
-      <p:ext uri="{BB962C8B-B14F-4D97-AF65-F5344CB8AC3E}">
-        <p14:creationId xmlns:p14="http://schemas.microsoft.com/office/powerpoint/2010/main" val="3339877989"/>
-      </p:ext>
-    </p:extLst>
-  </p:cSld>
-  <p:clrMapOvr>
-    <a:masterClrMapping/>
-  </p:clrMapOvr>
-</p:sld>
-</file>
-
-<file path=ppt/slides/slide20.xml><?xml version="1.0" encoding="utf-8"?>
+<file path=ppt/slides/slide19.xml><?xml version="1.0" encoding="utf-8"?>
 <p:sld xmlns:a="http://schemas.openxmlformats.org/drawingml/2006/main" xmlns:r="http://schemas.openxmlformats.org/officeDocument/2006/relationships" xmlns:p="http://schemas.openxmlformats.org/presentationml/2006/main">
   <p:cSld>
     <p:spTree>
@@ -36554,7 +36359,7 @@
 </p:sld>
 </file>
 
-<file path=ppt/slides/slide21.xml><?xml version="1.0" encoding="utf-8"?>
+<file path=ppt/slides/slide2.xml><?xml version="1.0" encoding="utf-8"?>
 <p:sld xmlns:a="http://schemas.openxmlformats.org/drawingml/2006/main" xmlns:r="http://schemas.openxmlformats.org/officeDocument/2006/relationships" xmlns:p="http://schemas.openxmlformats.org/presentationml/2006/main">
   <p:cSld>
     <p:spTree>
@@ -36588,6 +36393,241 @@
           <a:p>
             <a:r>
               <a:rPr lang="en-US" dirty="0" smtClean="0"/>
+              <a:t>Working with RSTUDIO</a:t>
+            </a:r>
+            <a:endParaRPr lang="en-US" dirty="0"/>
+          </a:p>
+        </p:txBody>
+      </p:sp>
+      <p:pic>
+        <p:nvPicPr>
+          <p:cNvPr id="4" name="Content Placeholder 3" descr="Screen Shot 2013-10-02 at 12.22.42 PM.png"/>
+          <p:cNvPicPr>
+            <a:picLocks noGrp="1" noChangeAspect="1"/>
+          </p:cNvPicPr>
+          <p:nvPr>
+            <p:ph idx="1"/>
+          </p:nvPr>
+        </p:nvPicPr>
+        <p:blipFill>
+          <a:blip r:embed="rId2">
+            <a:extLst>
+              <a:ext uri="{28A0092B-C50C-407E-A947-70E740481C1C}">
+                <a14:useLocalDpi xmlns:a14="http://schemas.microsoft.com/office/drawing/2010/main" val="0"/>
+              </a:ext>
+            </a:extLst>
+          </a:blip>
+          <a:srcRect t="6886" b="6886"/>
+          <a:stretch>
+            <a:fillRect/>
+          </a:stretch>
+        </p:blipFill>
+        <p:spPr>
+          <a:xfrm>
+            <a:off x="468312" y="2484437"/>
+            <a:ext cx="9386964" cy="4536840"/>
+          </a:xfrm>
+        </p:spPr>
+      </p:pic>
+      <p:sp>
+        <p:nvSpPr>
+          <p:cNvPr id="5" name="TextBox 4"/>
+          <p:cNvSpPr txBox="1"/>
+          <p:nvPr/>
+        </p:nvSpPr>
+        <p:spPr>
+          <a:xfrm>
+            <a:off x="2906712" y="3094037"/>
+            <a:ext cx="2514600" cy="707886"/>
+          </a:xfrm>
+          <a:prstGeom prst="rect">
+            <a:avLst/>
+          </a:prstGeom>
+          <a:noFill/>
+        </p:spPr>
+        <p:txBody>
+          <a:bodyPr wrap="square" rtlCol="0">
+            <a:spAutoFit/>
+          </a:bodyPr>
+          <a:lstStyle/>
+          <a:p>
+            <a:r>
+              <a:rPr lang="en-US" sz="4000" dirty="0" smtClean="0">
+                <a:solidFill>
+                  <a:srgbClr val="FF0000"/>
+                </a:solidFill>
+              </a:rPr>
+              <a:t>Scripts</a:t>
+            </a:r>
+            <a:endParaRPr lang="en-US" sz="4000" dirty="0">
+              <a:solidFill>
+                <a:srgbClr val="FF0000"/>
+              </a:solidFill>
+            </a:endParaRPr>
+          </a:p>
+        </p:txBody>
+      </p:sp>
+      <p:sp>
+        <p:nvSpPr>
+          <p:cNvPr id="6" name="TextBox 5"/>
+          <p:cNvSpPr txBox="1"/>
+          <p:nvPr/>
+        </p:nvSpPr>
+        <p:spPr>
+          <a:xfrm>
+            <a:off x="6869112" y="3551237"/>
+            <a:ext cx="2514600" cy="707886"/>
+          </a:xfrm>
+          <a:prstGeom prst="rect">
+            <a:avLst/>
+          </a:prstGeom>
+          <a:noFill/>
+        </p:spPr>
+        <p:txBody>
+          <a:bodyPr wrap="square" rtlCol="0">
+            <a:spAutoFit/>
+          </a:bodyPr>
+          <a:lstStyle/>
+          <a:p>
+            <a:r>
+              <a:rPr lang="en-US" sz="4000" dirty="0" err="1" smtClean="0">
+                <a:solidFill>
+                  <a:srgbClr val="FF0000"/>
+                </a:solidFill>
+              </a:rPr>
+              <a:t>RObjects</a:t>
+            </a:r>
+            <a:endParaRPr lang="en-US" sz="4000" dirty="0">
+              <a:solidFill>
+                <a:srgbClr val="FF0000"/>
+              </a:solidFill>
+            </a:endParaRPr>
+          </a:p>
+        </p:txBody>
+      </p:sp>
+      <p:sp>
+        <p:nvSpPr>
+          <p:cNvPr id="7" name="TextBox 6"/>
+          <p:cNvSpPr txBox="1"/>
+          <p:nvPr/>
+        </p:nvSpPr>
+        <p:spPr>
+          <a:xfrm>
+            <a:off x="3211512" y="6142037"/>
+            <a:ext cx="2514600" cy="707886"/>
+          </a:xfrm>
+          <a:prstGeom prst="rect">
+            <a:avLst/>
+          </a:prstGeom>
+          <a:noFill/>
+        </p:spPr>
+        <p:txBody>
+          <a:bodyPr wrap="square" rtlCol="0">
+            <a:spAutoFit/>
+          </a:bodyPr>
+          <a:lstStyle/>
+          <a:p>
+            <a:r>
+              <a:rPr lang="en-US" sz="4000" dirty="0" smtClean="0">
+                <a:solidFill>
+                  <a:srgbClr val="FF0000"/>
+                </a:solidFill>
+              </a:rPr>
+              <a:t>Console</a:t>
+            </a:r>
+            <a:endParaRPr lang="en-US" sz="4000" dirty="0">
+              <a:solidFill>
+                <a:srgbClr val="FF0000"/>
+              </a:solidFill>
+            </a:endParaRPr>
+          </a:p>
+        </p:txBody>
+      </p:sp>
+      <p:sp>
+        <p:nvSpPr>
+          <p:cNvPr id="8" name="TextBox 7"/>
+          <p:cNvSpPr txBox="1"/>
+          <p:nvPr/>
+        </p:nvSpPr>
+        <p:spPr>
+          <a:xfrm>
+            <a:off x="6030912" y="5532437"/>
+            <a:ext cx="3276600" cy="1323439"/>
+          </a:xfrm>
+          <a:prstGeom prst="rect">
+            <a:avLst/>
+          </a:prstGeom>
+          <a:noFill/>
+        </p:spPr>
+        <p:txBody>
+          <a:bodyPr wrap="square" rtlCol="0">
+            <a:spAutoFit/>
+          </a:bodyPr>
+          <a:lstStyle/>
+          <a:p>
+            <a:r>
+              <a:rPr lang="en-US" sz="4000" dirty="0" smtClean="0">
+                <a:solidFill>
+                  <a:srgbClr val="FF0000"/>
+                </a:solidFill>
+              </a:rPr>
+              <a:t>Browser/Plot/Help/Packages</a:t>
+            </a:r>
+            <a:endParaRPr lang="en-US" sz="4000" dirty="0">
+              <a:solidFill>
+                <a:srgbClr val="FF0000"/>
+              </a:solidFill>
+            </a:endParaRPr>
+          </a:p>
+        </p:txBody>
+      </p:sp>
+    </p:spTree>
+    <p:extLst>
+      <p:ext uri="{BB962C8B-B14F-4D97-AF65-F5344CB8AC3E}">
+        <p14:creationId xmlns:p14="http://schemas.microsoft.com/office/powerpoint/2010/main" val="175656006"/>
+      </p:ext>
+    </p:extLst>
+  </p:cSld>
+  <p:clrMapOvr>
+    <a:masterClrMapping/>
+  </p:clrMapOvr>
+</p:sld>
+</file>
+
+<file path=ppt/slides/slide20.xml><?xml version="1.0" encoding="utf-8"?>
+<p:sld xmlns:a="http://schemas.openxmlformats.org/drawingml/2006/main" xmlns:r="http://schemas.openxmlformats.org/officeDocument/2006/relationships" xmlns:p="http://schemas.openxmlformats.org/presentationml/2006/main">
+  <p:cSld>
+    <p:spTree>
+      <p:nvGrpSpPr>
+        <p:cNvPr id="1" name=""/>
+        <p:cNvGrpSpPr/>
+        <p:nvPr/>
+      </p:nvGrpSpPr>
+      <p:grpSpPr>
+        <a:xfrm>
+          <a:off x="0" y="0"/>
+          <a:ext cx="0" cy="0"/>
+          <a:chOff x="0" y="0"/>
+          <a:chExt cx="0" cy="0"/>
+        </a:xfrm>
+      </p:grpSpPr>
+      <p:sp>
+        <p:nvSpPr>
+          <p:cNvPr id="2" name="Title 1"/>
+          <p:cNvSpPr>
+            <a:spLocks noGrp="1"/>
+          </p:cNvSpPr>
+          <p:nvPr>
+            <p:ph type="title"/>
+          </p:nvPr>
+        </p:nvSpPr>
+        <p:spPr/>
+        <p:txBody>
+          <a:bodyPr/>
+          <a:lstStyle/>
+          <a:p>
+            <a:r>
+              <a:rPr lang="en-US" dirty="0" smtClean="0"/>
               <a:t>Working with Data Frames</a:t>
             </a:r>
             <a:endParaRPr lang="en-US" dirty="0"/>
@@ -36672,7 +36712,7 @@
 </p:sld>
 </file>
 
-<file path=ppt/slides/slide22.xml><?xml version="1.0" encoding="utf-8"?>
+<file path=ppt/slides/slide21.xml><?xml version="1.0" encoding="utf-8"?>
 <p:sld xmlns:a="http://schemas.openxmlformats.org/drawingml/2006/main" xmlns:r="http://schemas.openxmlformats.org/officeDocument/2006/relationships" xmlns:p="http://schemas.openxmlformats.org/presentationml/2006/main">
   <p:cSld>
     <p:spTree>
@@ -36783,7 +36823,7 @@
 </p:sld>
 </file>
 
-<file path=ppt/slides/slide23.xml><?xml version="1.0" encoding="utf-8"?>
+<file path=ppt/slides/slide22.xml><?xml version="1.0" encoding="utf-8"?>
 <p:sld xmlns:a="http://schemas.openxmlformats.org/drawingml/2006/main" xmlns:r="http://schemas.openxmlformats.org/officeDocument/2006/relationships" xmlns:p="http://schemas.openxmlformats.org/presentationml/2006/main">
   <p:cSld>
     <p:spTree>
@@ -36942,7 +36982,7 @@
 </p:sld>
 </file>
 
-<file path=ppt/slides/slide24.xml><?xml version="1.0" encoding="utf-8"?>
+<file path=ppt/slides/slide23.xml><?xml version="1.0" encoding="utf-8"?>
 <p:sld xmlns:a="http://schemas.openxmlformats.org/drawingml/2006/main" xmlns:r="http://schemas.openxmlformats.org/officeDocument/2006/relationships" xmlns:p="http://schemas.openxmlformats.org/presentationml/2006/main">
   <p:cSld>
     <p:spTree>
@@ -37020,7 +37060,7 @@
 </p:sld>
 </file>
 
-<file path=ppt/slides/slide25.xml><?xml version="1.0" encoding="utf-8"?>
+<file path=ppt/slides/slide24.xml><?xml version="1.0" encoding="utf-8"?>
 <p:sld xmlns:a="http://schemas.openxmlformats.org/drawingml/2006/main" xmlns:r="http://schemas.openxmlformats.org/officeDocument/2006/relationships" xmlns:p="http://schemas.openxmlformats.org/presentationml/2006/main">
   <p:cSld>
     <p:spTree>
@@ -37372,7 +37412,7 @@
 </p:sld>
 </file>
 
-<file path=ppt/slides/slide26.xml><?xml version="1.0" encoding="utf-8"?>
+<file path=ppt/slides/slide25.xml><?xml version="1.0" encoding="utf-8"?>
 <p:sld xmlns:a="http://schemas.openxmlformats.org/drawingml/2006/main" xmlns:r="http://schemas.openxmlformats.org/officeDocument/2006/relationships" xmlns:p="http://schemas.openxmlformats.org/presentationml/2006/main">
   <p:cSld>
     <p:spTree>
@@ -37506,7 +37546,7 @@
 </p:sld>
 </file>
 
-<file path=ppt/slides/slide27.xml><?xml version="1.0" encoding="utf-8"?>
+<file path=ppt/slides/slide26.xml><?xml version="1.0" encoding="utf-8"?>
 <p:sld xmlns:a="http://schemas.openxmlformats.org/drawingml/2006/main" xmlns:r="http://schemas.openxmlformats.org/officeDocument/2006/relationships" xmlns:p="http://schemas.openxmlformats.org/presentationml/2006/main">
   <p:cSld>
     <p:spTree>
@@ -37612,7 +37652,7 @@
 </p:sld>
 </file>
 
-<file path=ppt/slides/slide28.xml><?xml version="1.0" encoding="utf-8"?>
+<file path=ppt/slides/slide27.xml><?xml version="1.0" encoding="utf-8"?>
 <p:sld xmlns:a="http://schemas.openxmlformats.org/drawingml/2006/main" xmlns:r="http://schemas.openxmlformats.org/officeDocument/2006/relationships" xmlns:p="http://schemas.openxmlformats.org/presentationml/2006/main">
   <p:cSld>
     <p:spTree>
@@ -37718,7 +37758,7 @@
 </p:sld>
 </file>
 
-<file path=ppt/slides/slide29.xml><?xml version="1.0" encoding="utf-8"?>
+<file path=ppt/slides/slide28.xml><?xml version="1.0" encoding="utf-8"?>
 <p:sld xmlns:a="http://schemas.openxmlformats.org/drawingml/2006/main" xmlns:r="http://schemas.openxmlformats.org/officeDocument/2006/relationships" xmlns:p="http://schemas.openxmlformats.org/presentationml/2006/main">
   <p:cSld>
     <p:spTree>
@@ -38036,242 +38076,7 @@
 </p:sld>
 </file>
 
-<file path=ppt/slides/slide3.xml><?xml version="1.0" encoding="utf-8"?>
-<p:sld xmlns:a="http://schemas.openxmlformats.org/drawingml/2006/main" xmlns:r="http://schemas.openxmlformats.org/officeDocument/2006/relationships" xmlns:p="http://schemas.openxmlformats.org/presentationml/2006/main">
-  <p:cSld>
-    <p:spTree>
-      <p:nvGrpSpPr>
-        <p:cNvPr id="1" name=""/>
-        <p:cNvGrpSpPr/>
-        <p:nvPr/>
-      </p:nvGrpSpPr>
-      <p:grpSpPr>
-        <a:xfrm>
-          <a:off x="0" y="0"/>
-          <a:ext cx="0" cy="0"/>
-          <a:chOff x="0" y="0"/>
-          <a:chExt cx="0" cy="0"/>
-        </a:xfrm>
-      </p:grpSpPr>
-      <p:sp>
-        <p:nvSpPr>
-          <p:cNvPr id="2" name="Title 1"/>
-          <p:cNvSpPr>
-            <a:spLocks noGrp="1"/>
-          </p:cNvSpPr>
-          <p:nvPr>
-            <p:ph type="title"/>
-          </p:nvPr>
-        </p:nvSpPr>
-        <p:spPr/>
-        <p:txBody>
-          <a:bodyPr/>
-          <a:lstStyle/>
-          <a:p>
-            <a:r>
-              <a:rPr lang="en-US" dirty="0" smtClean="0"/>
-              <a:t>Working with RSTUDIO</a:t>
-            </a:r>
-            <a:endParaRPr lang="en-US" dirty="0"/>
-          </a:p>
-        </p:txBody>
-      </p:sp>
-      <p:pic>
-        <p:nvPicPr>
-          <p:cNvPr id="4" name="Content Placeholder 3" descr="Screen Shot 2013-10-02 at 12.22.42 PM.png"/>
-          <p:cNvPicPr>
-            <a:picLocks noGrp="1" noChangeAspect="1"/>
-          </p:cNvPicPr>
-          <p:nvPr>
-            <p:ph idx="1"/>
-          </p:nvPr>
-        </p:nvPicPr>
-        <p:blipFill>
-          <a:blip r:embed="rId2">
-            <a:extLst>
-              <a:ext uri="{28A0092B-C50C-407E-A947-70E740481C1C}">
-                <a14:useLocalDpi xmlns:a14="http://schemas.microsoft.com/office/drawing/2010/main" val="0"/>
-              </a:ext>
-            </a:extLst>
-          </a:blip>
-          <a:srcRect t="6886" b="6886"/>
-          <a:stretch>
-            <a:fillRect/>
-          </a:stretch>
-        </p:blipFill>
-        <p:spPr>
-          <a:xfrm>
-            <a:off x="468312" y="2484437"/>
-            <a:ext cx="9386964" cy="4536840"/>
-          </a:xfrm>
-        </p:spPr>
-      </p:pic>
-      <p:sp>
-        <p:nvSpPr>
-          <p:cNvPr id="5" name="TextBox 4"/>
-          <p:cNvSpPr txBox="1"/>
-          <p:nvPr/>
-        </p:nvSpPr>
-        <p:spPr>
-          <a:xfrm>
-            <a:off x="2906712" y="3094037"/>
-            <a:ext cx="2514600" cy="707886"/>
-          </a:xfrm>
-          <a:prstGeom prst="rect">
-            <a:avLst/>
-          </a:prstGeom>
-          <a:noFill/>
-        </p:spPr>
-        <p:txBody>
-          <a:bodyPr wrap="square" rtlCol="0">
-            <a:spAutoFit/>
-          </a:bodyPr>
-          <a:lstStyle/>
-          <a:p>
-            <a:r>
-              <a:rPr lang="en-US" sz="4000" dirty="0" smtClean="0">
-                <a:solidFill>
-                  <a:srgbClr val="FF0000"/>
-                </a:solidFill>
-              </a:rPr>
-              <a:t>Scripts</a:t>
-            </a:r>
-            <a:endParaRPr lang="en-US" sz="4000" dirty="0">
-              <a:solidFill>
-                <a:srgbClr val="FF0000"/>
-              </a:solidFill>
-            </a:endParaRPr>
-          </a:p>
-        </p:txBody>
-      </p:sp>
-      <p:sp>
-        <p:nvSpPr>
-          <p:cNvPr id="6" name="TextBox 5"/>
-          <p:cNvSpPr txBox="1"/>
-          <p:nvPr/>
-        </p:nvSpPr>
-        <p:spPr>
-          <a:xfrm>
-            <a:off x="6869112" y="3551237"/>
-            <a:ext cx="2514600" cy="707886"/>
-          </a:xfrm>
-          <a:prstGeom prst="rect">
-            <a:avLst/>
-          </a:prstGeom>
-          <a:noFill/>
-        </p:spPr>
-        <p:txBody>
-          <a:bodyPr wrap="square" rtlCol="0">
-            <a:spAutoFit/>
-          </a:bodyPr>
-          <a:lstStyle/>
-          <a:p>
-            <a:r>
-              <a:rPr lang="en-US" sz="4000" dirty="0" err="1" smtClean="0">
-                <a:solidFill>
-                  <a:srgbClr val="FF0000"/>
-                </a:solidFill>
-              </a:rPr>
-              <a:t>RObjects</a:t>
-            </a:r>
-            <a:endParaRPr lang="en-US" sz="4000" dirty="0">
-              <a:solidFill>
-                <a:srgbClr val="FF0000"/>
-              </a:solidFill>
-            </a:endParaRPr>
-          </a:p>
-        </p:txBody>
-      </p:sp>
-      <p:sp>
-        <p:nvSpPr>
-          <p:cNvPr id="7" name="TextBox 6"/>
-          <p:cNvSpPr txBox="1"/>
-          <p:nvPr/>
-        </p:nvSpPr>
-        <p:spPr>
-          <a:xfrm>
-            <a:off x="3211512" y="6142037"/>
-            <a:ext cx="2514600" cy="707886"/>
-          </a:xfrm>
-          <a:prstGeom prst="rect">
-            <a:avLst/>
-          </a:prstGeom>
-          <a:noFill/>
-        </p:spPr>
-        <p:txBody>
-          <a:bodyPr wrap="square" rtlCol="0">
-            <a:spAutoFit/>
-          </a:bodyPr>
-          <a:lstStyle/>
-          <a:p>
-            <a:r>
-              <a:rPr lang="en-US" sz="4000" dirty="0" smtClean="0">
-                <a:solidFill>
-                  <a:srgbClr val="FF0000"/>
-                </a:solidFill>
-              </a:rPr>
-              <a:t>Console</a:t>
-            </a:r>
-            <a:endParaRPr lang="en-US" sz="4000" dirty="0">
-              <a:solidFill>
-                <a:srgbClr val="FF0000"/>
-              </a:solidFill>
-            </a:endParaRPr>
-          </a:p>
-        </p:txBody>
-      </p:sp>
-      <p:sp>
-        <p:nvSpPr>
-          <p:cNvPr id="8" name="TextBox 7"/>
-          <p:cNvSpPr txBox="1"/>
-          <p:nvPr/>
-        </p:nvSpPr>
-        <p:spPr>
-          <a:xfrm>
-            <a:off x="6030912" y="5532437"/>
-            <a:ext cx="3276600" cy="1323439"/>
-          </a:xfrm>
-          <a:prstGeom prst="rect">
-            <a:avLst/>
-          </a:prstGeom>
-          <a:noFill/>
-        </p:spPr>
-        <p:txBody>
-          <a:bodyPr wrap="square" rtlCol="0">
-            <a:spAutoFit/>
-          </a:bodyPr>
-          <a:lstStyle/>
-          <a:p>
-            <a:r>
-              <a:rPr lang="en-US" sz="4000" dirty="0" smtClean="0">
-                <a:solidFill>
-                  <a:srgbClr val="FF0000"/>
-                </a:solidFill>
-              </a:rPr>
-              <a:t>Browser/Plot/Help/Packages</a:t>
-            </a:r>
-            <a:endParaRPr lang="en-US" sz="4000" dirty="0">
-              <a:solidFill>
-                <a:srgbClr val="FF0000"/>
-              </a:solidFill>
-            </a:endParaRPr>
-          </a:p>
-        </p:txBody>
-      </p:sp>
-    </p:spTree>
-    <p:extLst>
-      <p:ext uri="{BB962C8B-B14F-4D97-AF65-F5344CB8AC3E}">
-        <p14:creationId xmlns:p14="http://schemas.microsoft.com/office/powerpoint/2010/main" val="175656006"/>
-      </p:ext>
-    </p:extLst>
-  </p:cSld>
-  <p:clrMapOvr>
-    <a:masterClrMapping/>
-  </p:clrMapOvr>
-</p:sld>
-</file>
-
-<file path=ppt/slides/slide30.xml><?xml version="1.0" encoding="utf-8"?>
+<file path=ppt/slides/slide29.xml><?xml version="1.0" encoding="utf-8"?>
 <p:sld xmlns:a="http://schemas.openxmlformats.org/drawingml/2006/main" xmlns:r="http://schemas.openxmlformats.org/officeDocument/2006/relationships" xmlns:p="http://schemas.openxmlformats.org/presentationml/2006/main">
   <p:cSld>
     <p:spTree>
@@ -38353,7 +38158,147 @@
 </p:sld>
 </file>
 
-<file path=ppt/slides/slide31.xml><?xml version="1.0" encoding="utf-8"?>
+<file path=ppt/slides/slide3.xml><?xml version="1.0" encoding="utf-8"?>
+<p:sld xmlns:a="http://schemas.openxmlformats.org/drawingml/2006/main" xmlns:r="http://schemas.openxmlformats.org/officeDocument/2006/relationships" xmlns:p="http://schemas.openxmlformats.org/presentationml/2006/main">
+  <p:cSld>
+    <p:spTree>
+      <p:nvGrpSpPr>
+        <p:cNvPr id="1" name=""/>
+        <p:cNvGrpSpPr/>
+        <p:nvPr/>
+      </p:nvGrpSpPr>
+      <p:grpSpPr>
+        <a:xfrm>
+          <a:off x="0" y="0"/>
+          <a:ext cx="0" cy="0"/>
+          <a:chOff x="0" y="0"/>
+          <a:chExt cx="0" cy="0"/>
+        </a:xfrm>
+      </p:grpSpPr>
+      <p:sp>
+        <p:nvSpPr>
+          <p:cNvPr id="2" name="Title 1"/>
+          <p:cNvSpPr>
+            <a:spLocks noGrp="1"/>
+          </p:cNvSpPr>
+          <p:nvPr>
+            <p:ph type="title"/>
+          </p:nvPr>
+        </p:nvSpPr>
+        <p:spPr/>
+        <p:txBody>
+          <a:bodyPr/>
+          <a:lstStyle/>
+          <a:p>
+            <a:r>
+              <a:rPr lang="en-US" dirty="0" smtClean="0"/>
+              <a:t>Tips</a:t>
+            </a:r>
+            <a:endParaRPr lang="en-US" dirty="0"/>
+          </a:p>
+        </p:txBody>
+      </p:sp>
+      <p:sp>
+        <p:nvSpPr>
+          <p:cNvPr id="3" name="Content Placeholder 2"/>
+          <p:cNvSpPr>
+            <a:spLocks noGrp="1"/>
+          </p:cNvSpPr>
+          <p:nvPr>
+            <p:ph idx="1"/>
+          </p:nvPr>
+        </p:nvSpPr>
+        <p:spPr/>
+        <p:txBody>
+          <a:bodyPr/>
+          <a:lstStyle/>
+          <a:p>
+            <a:pPr marL="457200" indent="-457200">
+              <a:buFont typeface="Arial"/>
+              <a:buChar char="•"/>
+            </a:pPr>
+            <a:r>
+              <a:rPr lang="en-US" dirty="0" smtClean="0"/>
+              <a:t>Always work in a script</a:t>
+            </a:r>
+          </a:p>
+          <a:p>
+            <a:pPr marL="457200" indent="-457200">
+              <a:buFont typeface="Arial"/>
+              <a:buChar char="•"/>
+            </a:pPr>
+            <a:r>
+              <a:rPr lang="en-US" dirty="0" smtClean="0"/>
+              <a:t>Highlight just a few lines and run those when debugging, writing code</a:t>
+            </a:r>
+          </a:p>
+          <a:p>
+            <a:pPr marL="457200" indent="-457200">
+              <a:buFont typeface="Arial"/>
+              <a:buChar char="•"/>
+            </a:pPr>
+            <a:r>
+              <a:rPr lang="en-US" dirty="0" smtClean="0"/>
+              <a:t>Double click on objects</a:t>
+            </a:r>
+          </a:p>
+          <a:p>
+            <a:pPr marL="457200" indent="-457200">
+              <a:buFont typeface="Arial"/>
+              <a:buChar char="•"/>
+            </a:pPr>
+            <a:r>
+              <a:rPr lang="en-US" dirty="0" smtClean="0"/>
+              <a:t>When not sure, try </a:t>
+            </a:r>
+            <a:r>
+              <a:rPr lang="en-US" dirty="0" err="1" smtClean="0"/>
+              <a:t>gui</a:t>
+            </a:r>
+            <a:r>
+              <a:rPr lang="en-US" dirty="0" smtClean="0"/>
+              <a:t> menu (</a:t>
+            </a:r>
+            <a:r>
+              <a:rPr lang="en-US" dirty="0" err="1" smtClean="0"/>
+              <a:t>stwd</a:t>
+            </a:r>
+            <a:r>
+              <a:rPr lang="en-US" dirty="0" smtClean="0"/>
+              <a:t>)</a:t>
+            </a:r>
+            <a:r>
+              <a:rPr lang="en-US" dirty="0"/>
+              <a:t> </a:t>
+            </a:r>
+            <a:r>
+              <a:rPr lang="en-US" dirty="0" smtClean="0"/>
+              <a:t>or help(command)</a:t>
+            </a:r>
+          </a:p>
+          <a:p>
+            <a:pPr marL="457200" indent="-457200">
+              <a:buFont typeface="Arial"/>
+              <a:buChar char="•"/>
+            </a:pPr>
+            <a:endParaRPr lang="en-US" dirty="0" smtClean="0"/>
+          </a:p>
+        </p:txBody>
+      </p:sp>
+    </p:spTree>
+    <p:extLst>
+      <p:ext uri="{BB962C8B-B14F-4D97-AF65-F5344CB8AC3E}">
+        <p14:creationId xmlns:p14="http://schemas.microsoft.com/office/powerpoint/2010/main" val="2973154938"/>
+      </p:ext>
+    </p:extLst>
+  </p:cSld>
+  <p:clrMapOvr>
+    <a:masterClrMapping/>
+  </p:clrMapOvr>
+</p:sld>
+</file>
+
+<file path=ppt/slides/slide30.xml><?xml version="1.0" encoding="utf-8"?>
 <p:sld xmlns:a="http://schemas.openxmlformats.org/drawingml/2006/main" xmlns:r="http://schemas.openxmlformats.org/officeDocument/2006/relationships" xmlns:p="http://schemas.openxmlformats.org/presentationml/2006/main">
   <p:cSld>
     <p:spTree>
@@ -38688,7 +38633,7 @@
 </p:sld>
 </file>
 
-<file path=ppt/slides/slide32.xml><?xml version="1.0" encoding="utf-8"?>
+<file path=ppt/slides/slide31.xml><?xml version="1.0" encoding="utf-8"?>
 <p:sld xmlns:a="http://schemas.openxmlformats.org/drawingml/2006/main" xmlns:r="http://schemas.openxmlformats.org/officeDocument/2006/relationships" xmlns:p="http://schemas.openxmlformats.org/presentationml/2006/main">
   <p:cSld>
     <p:spTree>
@@ -38808,7 +38753,7 @@
 </p:sld>
 </file>
 
-<file path=ppt/slides/slide33.xml><?xml version="1.0" encoding="utf-8"?>
+<file path=ppt/slides/slide32.xml><?xml version="1.0" encoding="utf-8"?>
 <p:sld xmlns:a="http://schemas.openxmlformats.org/drawingml/2006/main" xmlns:r="http://schemas.openxmlformats.org/officeDocument/2006/relationships" xmlns:p="http://schemas.openxmlformats.org/presentationml/2006/main">
   <p:cSld>
     <p:spTree>
@@ -38940,7 +38885,7 @@
 </p:sld>
 </file>
 
-<file path=ppt/slides/slide34.xml><?xml version="1.0" encoding="utf-8"?>
+<file path=ppt/slides/slide33.xml><?xml version="1.0" encoding="utf-8"?>
 <p:sld xmlns:a="http://schemas.openxmlformats.org/drawingml/2006/main" xmlns:r="http://schemas.openxmlformats.org/officeDocument/2006/relationships" xmlns:p="http://schemas.openxmlformats.org/presentationml/2006/main">
   <p:cSld>
     <p:spTree>
@@ -39023,7 +38968,7 @@
 </p:sld>
 </file>
 
-<file path=ppt/slides/slide35.xml><?xml version="1.0" encoding="utf-8"?>
+<file path=ppt/slides/slide34.xml><?xml version="1.0" encoding="utf-8"?>
 <p:sld xmlns:a="http://schemas.openxmlformats.org/drawingml/2006/main" xmlns:r="http://schemas.openxmlformats.org/officeDocument/2006/relationships" xmlns:p="http://schemas.openxmlformats.org/presentationml/2006/main">
   <p:cSld>
     <p:spTree>
@@ -39139,7 +39084,7 @@
 </p:sld>
 </file>
 
-<file path=ppt/slides/slide36.xml><?xml version="1.0" encoding="utf-8"?>
+<file path=ppt/slides/slide35.xml><?xml version="1.0" encoding="utf-8"?>
 <p:sld xmlns:a="http://schemas.openxmlformats.org/drawingml/2006/main" xmlns:r="http://schemas.openxmlformats.org/officeDocument/2006/relationships" xmlns:p="http://schemas.openxmlformats.org/presentationml/2006/main">
   <p:cSld>
     <p:spTree>
@@ -39279,7 +39224,7 @@
 </p:sld>
 </file>
 
-<file path=ppt/slides/slide37.xml><?xml version="1.0" encoding="utf-8"?>
+<file path=ppt/slides/slide36.xml><?xml version="1.0" encoding="utf-8"?>
 <p:sld xmlns:a="http://schemas.openxmlformats.org/drawingml/2006/main" xmlns:r="http://schemas.openxmlformats.org/officeDocument/2006/relationships" xmlns:p="http://schemas.openxmlformats.org/presentationml/2006/main">
   <p:cSld>
     <p:spTree>
@@ -39400,7 +39345,7 @@
 </p:sld>
 </file>
 
-<file path=ppt/slides/slide38.xml><?xml version="1.0" encoding="utf-8"?>
+<file path=ppt/slides/slide37.xml><?xml version="1.0" encoding="utf-8"?>
 <p:sld xmlns:a="http://schemas.openxmlformats.org/drawingml/2006/main" xmlns:r="http://schemas.openxmlformats.org/officeDocument/2006/relationships" xmlns:p="http://schemas.openxmlformats.org/presentationml/2006/main">
   <p:cSld>
     <p:spTree>
@@ -39483,7 +39428,7 @@
 </p:sld>
 </file>
 
-<file path=ppt/slides/slide39.xml><?xml version="1.0" encoding="utf-8"?>
+<file path=ppt/slides/slide38.xml><?xml version="1.0" encoding="utf-8"?>
 <p:sld xmlns:a="http://schemas.openxmlformats.org/drawingml/2006/main" xmlns:r="http://schemas.openxmlformats.org/officeDocument/2006/relationships" xmlns:p="http://schemas.openxmlformats.org/presentationml/2006/main">
   <p:cSld>
     <p:spTree>
@@ -39588,147 +39533,7 @@
 </p:sld>
 </file>
 
-<file path=ppt/slides/slide4.xml><?xml version="1.0" encoding="utf-8"?>
-<p:sld xmlns:a="http://schemas.openxmlformats.org/drawingml/2006/main" xmlns:r="http://schemas.openxmlformats.org/officeDocument/2006/relationships" xmlns:p="http://schemas.openxmlformats.org/presentationml/2006/main">
-  <p:cSld>
-    <p:spTree>
-      <p:nvGrpSpPr>
-        <p:cNvPr id="1" name=""/>
-        <p:cNvGrpSpPr/>
-        <p:nvPr/>
-      </p:nvGrpSpPr>
-      <p:grpSpPr>
-        <a:xfrm>
-          <a:off x="0" y="0"/>
-          <a:ext cx="0" cy="0"/>
-          <a:chOff x="0" y="0"/>
-          <a:chExt cx="0" cy="0"/>
-        </a:xfrm>
-      </p:grpSpPr>
-      <p:sp>
-        <p:nvSpPr>
-          <p:cNvPr id="2" name="Title 1"/>
-          <p:cNvSpPr>
-            <a:spLocks noGrp="1"/>
-          </p:cNvSpPr>
-          <p:nvPr>
-            <p:ph type="title"/>
-          </p:nvPr>
-        </p:nvSpPr>
-        <p:spPr/>
-        <p:txBody>
-          <a:bodyPr/>
-          <a:lstStyle/>
-          <a:p>
-            <a:r>
-              <a:rPr lang="en-US" dirty="0" smtClean="0"/>
-              <a:t>Tips</a:t>
-            </a:r>
-            <a:endParaRPr lang="en-US" dirty="0"/>
-          </a:p>
-        </p:txBody>
-      </p:sp>
-      <p:sp>
-        <p:nvSpPr>
-          <p:cNvPr id="3" name="Content Placeholder 2"/>
-          <p:cNvSpPr>
-            <a:spLocks noGrp="1"/>
-          </p:cNvSpPr>
-          <p:nvPr>
-            <p:ph idx="1"/>
-          </p:nvPr>
-        </p:nvSpPr>
-        <p:spPr/>
-        <p:txBody>
-          <a:bodyPr/>
-          <a:lstStyle/>
-          <a:p>
-            <a:pPr marL="457200" indent="-457200">
-              <a:buFont typeface="Arial"/>
-              <a:buChar char="•"/>
-            </a:pPr>
-            <a:r>
-              <a:rPr lang="en-US" dirty="0" smtClean="0"/>
-              <a:t>Always work in a script</a:t>
-            </a:r>
-          </a:p>
-          <a:p>
-            <a:pPr marL="457200" indent="-457200">
-              <a:buFont typeface="Arial"/>
-              <a:buChar char="•"/>
-            </a:pPr>
-            <a:r>
-              <a:rPr lang="en-US" dirty="0" smtClean="0"/>
-              <a:t>Highlight just a few lines and run those when debugging, writing code</a:t>
-            </a:r>
-          </a:p>
-          <a:p>
-            <a:pPr marL="457200" indent="-457200">
-              <a:buFont typeface="Arial"/>
-              <a:buChar char="•"/>
-            </a:pPr>
-            <a:r>
-              <a:rPr lang="en-US" dirty="0" smtClean="0"/>
-              <a:t>Double click on objects</a:t>
-            </a:r>
-          </a:p>
-          <a:p>
-            <a:pPr marL="457200" indent="-457200">
-              <a:buFont typeface="Arial"/>
-              <a:buChar char="•"/>
-            </a:pPr>
-            <a:r>
-              <a:rPr lang="en-US" dirty="0" smtClean="0"/>
-              <a:t>When not sure, try </a:t>
-            </a:r>
-            <a:r>
-              <a:rPr lang="en-US" dirty="0" err="1" smtClean="0"/>
-              <a:t>gui</a:t>
-            </a:r>
-            <a:r>
-              <a:rPr lang="en-US" dirty="0" smtClean="0"/>
-              <a:t> menu (</a:t>
-            </a:r>
-            <a:r>
-              <a:rPr lang="en-US" dirty="0" err="1" smtClean="0"/>
-              <a:t>stwd</a:t>
-            </a:r>
-            <a:r>
-              <a:rPr lang="en-US" dirty="0" smtClean="0"/>
-              <a:t>)</a:t>
-            </a:r>
-            <a:r>
-              <a:rPr lang="en-US" dirty="0"/>
-              <a:t> </a:t>
-            </a:r>
-            <a:r>
-              <a:rPr lang="en-US" dirty="0" smtClean="0"/>
-              <a:t>or help(command)</a:t>
-            </a:r>
-          </a:p>
-          <a:p>
-            <a:pPr marL="457200" indent="-457200">
-              <a:buFont typeface="Arial"/>
-              <a:buChar char="•"/>
-            </a:pPr>
-            <a:endParaRPr lang="en-US" dirty="0" smtClean="0"/>
-          </a:p>
-        </p:txBody>
-      </p:sp>
-    </p:spTree>
-    <p:extLst>
-      <p:ext uri="{BB962C8B-B14F-4D97-AF65-F5344CB8AC3E}">
-        <p14:creationId xmlns:p14="http://schemas.microsoft.com/office/powerpoint/2010/main" val="2973154938"/>
-      </p:ext>
-    </p:extLst>
-  </p:cSld>
-  <p:clrMapOvr>
-    <a:masterClrMapping/>
-  </p:clrMapOvr>
-</p:sld>
-</file>
-
-<file path=ppt/slides/slide40.xml><?xml version="1.0" encoding="utf-8"?>
+<file path=ppt/slides/slide39.xml><?xml version="1.0" encoding="utf-8"?>
 <p:sld xmlns:a="http://schemas.openxmlformats.org/drawingml/2006/main" xmlns:r="http://schemas.openxmlformats.org/officeDocument/2006/relationships" xmlns:p="http://schemas.openxmlformats.org/presentationml/2006/main">
   <p:cSld>
     <p:spTree>
@@ -39877,7 +39682,145 @@
 </p:sld>
 </file>
 
-<file path=ppt/slides/slide41.xml><?xml version="1.0" encoding="utf-8"?>
+<file path=ppt/slides/slide4.xml><?xml version="1.0" encoding="utf-8"?>
+<p:sld xmlns:a="http://schemas.openxmlformats.org/drawingml/2006/main" xmlns:r="http://schemas.openxmlformats.org/officeDocument/2006/relationships" xmlns:p="http://schemas.openxmlformats.org/presentationml/2006/main">
+  <p:cSld>
+    <p:spTree>
+      <p:nvGrpSpPr>
+        <p:cNvPr id="1" name=""/>
+        <p:cNvGrpSpPr/>
+        <p:nvPr/>
+      </p:nvGrpSpPr>
+      <p:grpSpPr>
+        <a:xfrm>
+          <a:off x="0" y="0"/>
+          <a:ext cx="0" cy="0"/>
+          <a:chOff x="0" y="0"/>
+          <a:chExt cx="0" cy="0"/>
+        </a:xfrm>
+      </p:grpSpPr>
+      <p:sp>
+        <p:nvSpPr>
+          <p:cNvPr id="2" name="Title 1"/>
+          <p:cNvSpPr>
+            <a:spLocks noGrp="1"/>
+          </p:cNvSpPr>
+          <p:nvPr>
+            <p:ph type="title"/>
+          </p:nvPr>
+        </p:nvSpPr>
+        <p:spPr/>
+        <p:txBody>
+          <a:bodyPr/>
+          <a:lstStyle/>
+          <a:p>
+            <a:r>
+              <a:rPr lang="en-US" dirty="0" smtClean="0"/>
+              <a:t>General Strategies</a:t>
+            </a:r>
+            <a:endParaRPr lang="en-US" dirty="0"/>
+          </a:p>
+        </p:txBody>
+      </p:sp>
+      <p:sp>
+        <p:nvSpPr>
+          <p:cNvPr id="3" name="Content Placeholder 2"/>
+          <p:cNvSpPr>
+            <a:spLocks noGrp="1"/>
+          </p:cNvSpPr>
+          <p:nvPr>
+            <p:ph idx="1"/>
+          </p:nvPr>
+        </p:nvSpPr>
+        <p:spPr/>
+        <p:txBody>
+          <a:bodyPr/>
+          <a:lstStyle/>
+          <a:p>
+            <a:pPr marL="457200" indent="-457200">
+              <a:buFont typeface="Arial"/>
+              <a:buChar char="•"/>
+            </a:pPr>
+            <a:r>
+              <a:rPr lang="en-US" dirty="0" smtClean="0"/>
+              <a:t>Split, Apply, Combine</a:t>
+            </a:r>
+          </a:p>
+          <a:p>
+            <a:pPr marL="1321200" lvl="1" indent="-457200">
+              <a:buFont typeface="Arial"/>
+              <a:buChar char="•"/>
+            </a:pPr>
+            <a:r>
+              <a:rPr lang="en-US" dirty="0" smtClean="0"/>
+              <a:t>Sometimes it is relevant to use the above strategy to manage large data transformations</a:t>
+            </a:r>
+          </a:p>
+          <a:p>
+            <a:pPr marL="1321200" lvl="1" indent="-457200">
+              <a:buFont typeface="Arial"/>
+              <a:buChar char="•"/>
+            </a:pPr>
+            <a:r>
+              <a:rPr lang="en-US" dirty="0">
+                <a:hlinkClick r:id="rId2"/>
+              </a:rPr>
+              <a:t>http://www.jstatsoft.org/v40/</a:t>
+            </a:r>
+            <a:r>
+              <a:rPr lang="en-US" dirty="0" smtClean="0">
+                <a:hlinkClick r:id="rId2"/>
+              </a:rPr>
+              <a:t>i01</a:t>
+            </a:r>
+            <a:r>
+              <a:rPr lang="en-US" dirty="0" smtClean="0"/>
+              <a:t> </a:t>
+            </a:r>
+          </a:p>
+          <a:p>
+            <a:pPr marL="457200" indent="-457200">
+              <a:buFont typeface="Arial"/>
+              <a:buChar char="•"/>
+            </a:pPr>
+            <a:r>
+              <a:rPr lang="en-US" dirty="0" smtClean="0"/>
+              <a:t>Train, Test</a:t>
+            </a:r>
+          </a:p>
+          <a:p>
+            <a:pPr marL="1321200" lvl="1" indent="-457200">
+              <a:buFont typeface="Arial"/>
+              <a:buChar char="•"/>
+            </a:pPr>
+            <a:r>
+              <a:rPr lang="en-US" dirty="0" smtClean="0"/>
+              <a:t>Data is often spit into a component used for training and another used for testing</a:t>
+            </a:r>
+          </a:p>
+          <a:p>
+            <a:pPr marL="1321200" lvl="1" indent="-457200">
+              <a:buFont typeface="Arial"/>
+              <a:buChar char="•"/>
+            </a:pPr>
+            <a:endParaRPr lang="en-US" dirty="0"/>
+          </a:p>
+        </p:txBody>
+      </p:sp>
+    </p:spTree>
+    <p:extLst>
+      <p:ext uri="{BB962C8B-B14F-4D97-AF65-F5344CB8AC3E}">
+        <p14:creationId xmlns:p14="http://schemas.microsoft.com/office/powerpoint/2010/main" val="1232805890"/>
+      </p:ext>
+    </p:extLst>
+  </p:cSld>
+  <p:clrMapOvr>
+    <a:masterClrMapping/>
+  </p:clrMapOvr>
+</p:sld>
+</file>
+
+<file path=ppt/slides/slide40.xml><?xml version="1.0" encoding="utf-8"?>
 <p:sld xmlns:a="http://schemas.openxmlformats.org/drawingml/2006/main" xmlns:r="http://schemas.openxmlformats.org/officeDocument/2006/relationships" xmlns:p="http://schemas.openxmlformats.org/presentationml/2006/main">
   <p:cSld>
     <p:spTree>
@@ -39983,6 +39926,92 @@
 </p:sld>
 </file>
 
+<file path=ppt/slides/slide41.xml><?xml version="1.0" encoding="utf-8"?>
+<p:sld xmlns:a="http://schemas.openxmlformats.org/drawingml/2006/main" xmlns:r="http://schemas.openxmlformats.org/officeDocument/2006/relationships" xmlns:p="http://schemas.openxmlformats.org/presentationml/2006/main">
+  <p:cSld>
+    <p:spTree>
+      <p:nvGrpSpPr>
+        <p:cNvPr id="1" name=""/>
+        <p:cNvGrpSpPr/>
+        <p:nvPr/>
+      </p:nvGrpSpPr>
+      <p:grpSpPr>
+        <a:xfrm>
+          <a:off x="0" y="0"/>
+          <a:ext cx="0" cy="0"/>
+          <a:chOff x="0" y="0"/>
+          <a:chExt cx="0" cy="0"/>
+        </a:xfrm>
+      </p:grpSpPr>
+      <p:sp>
+        <p:nvSpPr>
+          <p:cNvPr id="2" name="Title 1"/>
+          <p:cNvSpPr>
+            <a:spLocks noGrp="1"/>
+          </p:cNvSpPr>
+          <p:nvPr>
+            <p:ph type="title"/>
+          </p:nvPr>
+        </p:nvSpPr>
+        <p:spPr/>
+        <p:txBody>
+          <a:bodyPr/>
+          <a:lstStyle/>
+          <a:p>
+            <a:r>
+              <a:rPr lang="en-US" dirty="0" smtClean="0"/>
+              <a:t>Functions</a:t>
+            </a:r>
+            <a:endParaRPr lang="en-US" dirty="0"/>
+          </a:p>
+        </p:txBody>
+      </p:sp>
+      <p:sp>
+        <p:nvSpPr>
+          <p:cNvPr id="3" name="Content Placeholder 2"/>
+          <p:cNvSpPr>
+            <a:spLocks noGrp="1"/>
+          </p:cNvSpPr>
+          <p:nvPr>
+            <p:ph idx="1"/>
+          </p:nvPr>
+        </p:nvSpPr>
+        <p:spPr/>
+        <p:txBody>
+          <a:bodyPr/>
+          <a:lstStyle/>
+          <a:p>
+            <a:r>
+              <a:rPr lang="en-US" dirty="0" smtClean="0"/>
+              <a:t>Functions are a useful way to organize calculations</a:t>
+            </a:r>
+          </a:p>
+          <a:p>
+            <a:pPr marL="457200" indent="-457200">
+              <a:buFont typeface="Arial"/>
+              <a:buChar char="•"/>
+            </a:pPr>
+            <a:r>
+              <a:rPr lang="en-US" dirty="0" smtClean="0"/>
+              <a:t>Similar to a method in programming </a:t>
+            </a:r>
+            <a:endParaRPr lang="en-US" dirty="0"/>
+          </a:p>
+        </p:txBody>
+      </p:sp>
+    </p:spTree>
+    <p:extLst>
+      <p:ext uri="{BB962C8B-B14F-4D97-AF65-F5344CB8AC3E}">
+        <p14:creationId xmlns:p14="http://schemas.microsoft.com/office/powerpoint/2010/main" val="3597557537"/>
+      </p:ext>
+    </p:extLst>
+  </p:cSld>
+  <p:clrMapOvr>
+    <a:masterClrMapping/>
+  </p:clrMapOvr>
+</p:sld>
+</file>
+
 <file path=ppt/slides/slide42.xml><?xml version="1.0" encoding="utf-8"?>
 <p:sld xmlns:a="http://schemas.openxmlformats.org/drawingml/2006/main" xmlns:r="http://schemas.openxmlformats.org/officeDocument/2006/relationships" xmlns:p="http://schemas.openxmlformats.org/presentationml/2006/main">
   <p:cSld>
@@ -40023,43 +40052,35 @@
           </a:p>
         </p:txBody>
       </p:sp>
-      <p:sp>
-        <p:nvSpPr>
-          <p:cNvPr id="3" name="Content Placeholder 2"/>
-          <p:cNvSpPr>
-            <a:spLocks noGrp="1"/>
-          </p:cNvSpPr>
+      <p:pic>
+        <p:nvPicPr>
+          <p:cNvPr id="4" name="Content Placeholder 3" descr="Screen Shot 2013-10-07 at 4.22.57 PM.png"/>
+          <p:cNvPicPr>
+            <a:picLocks noGrp="1" noChangeAspect="1"/>
+          </p:cNvPicPr>
           <p:nvPr>
             <p:ph idx="1"/>
           </p:nvPr>
-        </p:nvSpPr>
-        <p:spPr/>
-        <p:txBody>
-          <a:bodyPr/>
-          <a:lstStyle/>
-          <a:p>
-            <a:r>
-              <a:rPr lang="en-US" dirty="0" smtClean="0"/>
-              <a:t>Functions are a useful way to organize calculations</a:t>
-            </a:r>
-          </a:p>
-          <a:p>
-            <a:pPr marL="457200" indent="-457200">
-              <a:buFont typeface="Arial"/>
-              <a:buChar char="•"/>
-            </a:pPr>
-            <a:r>
-              <a:rPr lang="en-US" dirty="0" smtClean="0"/>
-              <a:t>Similar to a method in programming </a:t>
-            </a:r>
-            <a:endParaRPr lang="en-US" dirty="0"/>
-          </a:p>
-        </p:txBody>
-      </p:sp>
+        </p:nvPicPr>
+        <p:blipFill>
+          <a:blip r:embed="rId2">
+            <a:extLst>
+              <a:ext uri="{28A0092B-C50C-407E-A947-70E740481C1C}">
+                <a14:useLocalDpi xmlns:a14="http://schemas.microsoft.com/office/drawing/2010/main" val="0"/>
+              </a:ext>
+            </a:extLst>
+          </a:blip>
+          <a:srcRect t="-15095" b="-15095"/>
+          <a:stretch>
+            <a:fillRect/>
+          </a:stretch>
+        </p:blipFill>
+        <p:spPr/>
+      </p:pic>
     </p:spTree>
     <p:extLst>
       <p:ext uri="{BB962C8B-B14F-4D97-AF65-F5344CB8AC3E}">
-        <p14:creationId xmlns:p14="http://schemas.microsoft.com/office/powerpoint/2010/main" val="3597557537"/>
+        <p14:creationId xmlns:p14="http://schemas.microsoft.com/office/powerpoint/2010/main" val="1450036920"/>
       </p:ext>
     </p:extLst>
   </p:cSld>
@@ -40088,84 +40109,6 @@
       </p:grpSpPr>
       <p:sp>
         <p:nvSpPr>
-          <p:cNvPr id="2" name="Title 1"/>
-          <p:cNvSpPr>
-            <a:spLocks noGrp="1"/>
-          </p:cNvSpPr>
-          <p:nvPr>
-            <p:ph type="title"/>
-          </p:nvPr>
-        </p:nvSpPr>
-        <p:spPr/>
-        <p:txBody>
-          <a:bodyPr/>
-          <a:lstStyle/>
-          <a:p>
-            <a:r>
-              <a:rPr lang="en-US" dirty="0" smtClean="0"/>
-              <a:t>Functions</a:t>
-            </a:r>
-            <a:endParaRPr lang="en-US" dirty="0"/>
-          </a:p>
-        </p:txBody>
-      </p:sp>
-      <p:pic>
-        <p:nvPicPr>
-          <p:cNvPr id="4" name="Content Placeholder 3" descr="Screen Shot 2013-10-07 at 4.22.57 PM.png"/>
-          <p:cNvPicPr>
-            <a:picLocks noGrp="1" noChangeAspect="1"/>
-          </p:cNvPicPr>
-          <p:nvPr>
-            <p:ph idx="1"/>
-          </p:nvPr>
-        </p:nvPicPr>
-        <p:blipFill>
-          <a:blip r:embed="rId2">
-            <a:extLst>
-              <a:ext uri="{28A0092B-C50C-407E-A947-70E740481C1C}">
-                <a14:useLocalDpi xmlns:a14="http://schemas.microsoft.com/office/drawing/2010/main" val="0"/>
-              </a:ext>
-            </a:extLst>
-          </a:blip>
-          <a:srcRect t="-15095" b="-15095"/>
-          <a:stretch>
-            <a:fillRect/>
-          </a:stretch>
-        </p:blipFill>
-        <p:spPr/>
-      </p:pic>
-    </p:spTree>
-    <p:extLst>
-      <p:ext uri="{BB962C8B-B14F-4D97-AF65-F5344CB8AC3E}">
-        <p14:creationId xmlns:p14="http://schemas.microsoft.com/office/powerpoint/2010/main" val="1450036920"/>
-      </p:ext>
-    </p:extLst>
-  </p:cSld>
-  <p:clrMapOvr>
-    <a:masterClrMapping/>
-  </p:clrMapOvr>
-</p:sld>
-</file>
-
-<file path=ppt/slides/slide44.xml><?xml version="1.0" encoding="utf-8"?>
-<p:sld xmlns:a="http://schemas.openxmlformats.org/drawingml/2006/main" xmlns:r="http://schemas.openxmlformats.org/officeDocument/2006/relationships" xmlns:p="http://schemas.openxmlformats.org/presentationml/2006/main">
-  <p:cSld>
-    <p:spTree>
-      <p:nvGrpSpPr>
-        <p:cNvPr id="1" name=""/>
-        <p:cNvGrpSpPr/>
-        <p:nvPr/>
-      </p:nvGrpSpPr>
-      <p:grpSpPr>
-        <a:xfrm>
-          <a:off x="0" y="0"/>
-          <a:ext cx="0" cy="0"/>
-          <a:chOff x="0" y="0"/>
-          <a:chExt cx="0" cy="0"/>
-        </a:xfrm>
-      </p:grpSpPr>
-      <p:sp>
-        <p:nvSpPr>
           <p:cNvPr id="32769" name="Title 5"/>
           <p:cNvSpPr>
             <a:spLocks noGrp="1"/>
@@ -40210,7 +40153,7 @@
 </p:sld>
 </file>
 
-<file path=ppt/slides/slide45.xml><?xml version="1.0" encoding="utf-8"?>
+<file path=ppt/slides/slide44.xml><?xml version="1.0" encoding="utf-8"?>
 <p:sld xmlns:a="http://schemas.openxmlformats.org/drawingml/2006/main" xmlns:r="http://schemas.openxmlformats.org/officeDocument/2006/relationships" xmlns:p="http://schemas.openxmlformats.org/presentationml/2006/main">
   <p:cSld>
     <p:spTree>
@@ -41376,7 +41319,7 @@
 </p:sld>
 </file>
 
-<file path=ppt/slides/slide46.xml><?xml version="1.0" encoding="utf-8"?>
+<file path=ppt/slides/slide45.xml><?xml version="1.0" encoding="utf-8"?>
 <p:sld xmlns:a="http://schemas.openxmlformats.org/drawingml/2006/main" xmlns:r="http://schemas.openxmlformats.org/officeDocument/2006/relationships" xmlns:p="http://schemas.openxmlformats.org/presentationml/2006/main">
   <p:cSld>
     <p:spTree>
@@ -41785,7 +41728,7 @@
 </p:sld>
 </file>
 
-<file path=ppt/slides/slide47.xml><?xml version="1.0" encoding="utf-8"?>
+<file path=ppt/slides/slide46.xml><?xml version="1.0" encoding="utf-8"?>
 <p:sld xmlns:a="http://schemas.openxmlformats.org/drawingml/2006/main" xmlns:r="http://schemas.openxmlformats.org/officeDocument/2006/relationships" xmlns:p="http://schemas.openxmlformats.org/presentationml/2006/main">
   <p:cSld>
     <p:spTree>
@@ -42294,7 +42237,7 @@
 </p:sld>
 </file>
 
-<file path=ppt/slides/slide48.xml><?xml version="1.0" encoding="utf-8"?>
+<file path=ppt/slides/slide47.xml><?xml version="1.0" encoding="utf-8"?>
 <p:sld xmlns:a="http://schemas.openxmlformats.org/drawingml/2006/main" xmlns:r="http://schemas.openxmlformats.org/officeDocument/2006/relationships" xmlns:p="http://schemas.openxmlformats.org/presentationml/2006/main" showMasterPhAnim="0">
   <p:cSld>
     <p:spTree>
@@ -42393,7 +42336,7 @@
 </p:sld>
 </file>
 
-<file path=ppt/slides/slide49.xml><?xml version="1.0" encoding="utf-8"?>
+<file path=ppt/slides/slide48.xml><?xml version="1.0" encoding="utf-8"?>
 <p:sld xmlns:a="http://schemas.openxmlformats.org/drawingml/2006/main" xmlns:r="http://schemas.openxmlformats.org/officeDocument/2006/relationships" xmlns:p="http://schemas.openxmlformats.org/presentationml/2006/main">
   <p:cSld>
     <p:spTree>
@@ -42747,7 +42690,7 @@
           <a:graphicData uri="http://schemas.openxmlformats.org/presentationml/2006/ole">
             <mc:AlternateContent xmlns:mc="http://schemas.openxmlformats.org/markup-compatibility/2006">
               <mc:Choice xmlns:v="urn:schemas-microsoft-com:vml" Requires="v">
-                <p:oleObj spid="_x0000_s20494" name="Equation" r:id="rId4" imgW="152268" imgH="164957" progId="Equation.3">
+                <p:oleObj spid="_x0000_s20498" name="Equation" r:id="rId4" imgW="152268" imgH="164957" progId="Equation.3">
                   <p:embed/>
                 </p:oleObj>
               </mc:Choice>
@@ -42844,7 +42787,7 @@
           <a:graphicData uri="http://schemas.openxmlformats.org/presentationml/2006/ole">
             <mc:AlternateContent xmlns:mc="http://schemas.openxmlformats.org/markup-compatibility/2006">
               <mc:Choice xmlns:v="urn:schemas-microsoft-com:vml" Requires="v">
-                <p:oleObj spid="_x0000_s20495" name="Equation" r:id="rId6" imgW="152334" imgH="139639" progId="Equation.3">
+                <p:oleObj spid="_x0000_s20499" name="Equation" r:id="rId6" imgW="152334" imgH="139639" progId="Equation.3">
                   <p:embed/>
                 </p:oleObj>
               </mc:Choice>
@@ -42945,7 +42888,7 @@
           <a:graphicData uri="http://schemas.openxmlformats.org/presentationml/2006/ole">
             <mc:AlternateContent xmlns:mc="http://schemas.openxmlformats.org/markup-compatibility/2006">
               <mc:Choice xmlns:v="urn:schemas-microsoft-com:vml" Requires="v">
-                <p:oleObj spid="_x0000_s20496" name="Equation" r:id="rId8" imgW="660113" imgH="393529" progId="Equation.3">
+                <p:oleObj spid="_x0000_s20500" name="Equation" r:id="rId8" imgW="660113" imgH="393529" progId="Equation.3">
                   <p:embed/>
                 </p:oleObj>
               </mc:Choice>
@@ -43014,145 +42957,7 @@
 </p:sld>
 </file>
 
-<file path=ppt/slides/slide5.xml><?xml version="1.0" encoding="utf-8"?>
-<p:sld xmlns:a="http://schemas.openxmlformats.org/drawingml/2006/main" xmlns:r="http://schemas.openxmlformats.org/officeDocument/2006/relationships" xmlns:p="http://schemas.openxmlformats.org/presentationml/2006/main">
-  <p:cSld>
-    <p:spTree>
-      <p:nvGrpSpPr>
-        <p:cNvPr id="1" name=""/>
-        <p:cNvGrpSpPr/>
-        <p:nvPr/>
-      </p:nvGrpSpPr>
-      <p:grpSpPr>
-        <a:xfrm>
-          <a:off x="0" y="0"/>
-          <a:ext cx="0" cy="0"/>
-          <a:chOff x="0" y="0"/>
-          <a:chExt cx="0" cy="0"/>
-        </a:xfrm>
-      </p:grpSpPr>
-      <p:sp>
-        <p:nvSpPr>
-          <p:cNvPr id="2" name="Title 1"/>
-          <p:cNvSpPr>
-            <a:spLocks noGrp="1"/>
-          </p:cNvSpPr>
-          <p:nvPr>
-            <p:ph type="title"/>
-          </p:nvPr>
-        </p:nvSpPr>
-        <p:spPr/>
-        <p:txBody>
-          <a:bodyPr/>
-          <a:lstStyle/>
-          <a:p>
-            <a:r>
-              <a:rPr lang="en-US" dirty="0" smtClean="0"/>
-              <a:t>General Strategies</a:t>
-            </a:r>
-            <a:endParaRPr lang="en-US" dirty="0"/>
-          </a:p>
-        </p:txBody>
-      </p:sp>
-      <p:sp>
-        <p:nvSpPr>
-          <p:cNvPr id="3" name="Content Placeholder 2"/>
-          <p:cNvSpPr>
-            <a:spLocks noGrp="1"/>
-          </p:cNvSpPr>
-          <p:nvPr>
-            <p:ph idx="1"/>
-          </p:nvPr>
-        </p:nvSpPr>
-        <p:spPr/>
-        <p:txBody>
-          <a:bodyPr/>
-          <a:lstStyle/>
-          <a:p>
-            <a:pPr marL="457200" indent="-457200">
-              <a:buFont typeface="Arial"/>
-              <a:buChar char="•"/>
-            </a:pPr>
-            <a:r>
-              <a:rPr lang="en-US" dirty="0" smtClean="0"/>
-              <a:t>Split, Apply, Combine</a:t>
-            </a:r>
-          </a:p>
-          <a:p>
-            <a:pPr marL="1321200" lvl="1" indent="-457200">
-              <a:buFont typeface="Arial"/>
-              <a:buChar char="•"/>
-            </a:pPr>
-            <a:r>
-              <a:rPr lang="en-US" dirty="0" smtClean="0"/>
-              <a:t>Sometimes it is relevant to use the above strategy to manage large data transformations</a:t>
-            </a:r>
-          </a:p>
-          <a:p>
-            <a:pPr marL="1321200" lvl="1" indent="-457200">
-              <a:buFont typeface="Arial"/>
-              <a:buChar char="•"/>
-            </a:pPr>
-            <a:r>
-              <a:rPr lang="en-US" dirty="0">
-                <a:hlinkClick r:id="rId2"/>
-              </a:rPr>
-              <a:t>http://www.jstatsoft.org/v40/</a:t>
-            </a:r>
-            <a:r>
-              <a:rPr lang="en-US" dirty="0" smtClean="0">
-                <a:hlinkClick r:id="rId2"/>
-              </a:rPr>
-              <a:t>i01</a:t>
-            </a:r>
-            <a:r>
-              <a:rPr lang="en-US" dirty="0" smtClean="0"/>
-              <a:t> </a:t>
-            </a:r>
-          </a:p>
-          <a:p>
-            <a:pPr marL="457200" indent="-457200">
-              <a:buFont typeface="Arial"/>
-              <a:buChar char="•"/>
-            </a:pPr>
-            <a:r>
-              <a:rPr lang="en-US" dirty="0" smtClean="0"/>
-              <a:t>Train, Test</a:t>
-            </a:r>
-          </a:p>
-          <a:p>
-            <a:pPr marL="1321200" lvl="1" indent="-457200">
-              <a:buFont typeface="Arial"/>
-              <a:buChar char="•"/>
-            </a:pPr>
-            <a:r>
-              <a:rPr lang="en-US" dirty="0" smtClean="0"/>
-              <a:t>Data is often spit into a component used for training and another used for testing</a:t>
-            </a:r>
-          </a:p>
-          <a:p>
-            <a:pPr marL="1321200" lvl="1" indent="-457200">
-              <a:buFont typeface="Arial"/>
-              <a:buChar char="•"/>
-            </a:pPr>
-            <a:endParaRPr lang="en-US" dirty="0"/>
-          </a:p>
-        </p:txBody>
-      </p:sp>
-    </p:spTree>
-    <p:extLst>
-      <p:ext uri="{BB962C8B-B14F-4D97-AF65-F5344CB8AC3E}">
-        <p14:creationId xmlns:p14="http://schemas.microsoft.com/office/powerpoint/2010/main" val="1232805890"/>
-      </p:ext>
-    </p:extLst>
-  </p:cSld>
-  <p:clrMapOvr>
-    <a:masterClrMapping/>
-  </p:clrMapOvr>
-</p:sld>
-</file>
-
-<file path=ppt/slides/slide50.xml><?xml version="1.0" encoding="utf-8"?>
+<file path=ppt/slides/slide49.xml><?xml version="1.0" encoding="utf-8"?>
 <p:sld xmlns:a="http://schemas.openxmlformats.org/drawingml/2006/main" xmlns:r="http://schemas.openxmlformats.org/officeDocument/2006/relationships" xmlns:p="http://schemas.openxmlformats.org/presentationml/2006/main">
   <p:cSld>
     <p:spTree>
@@ -43332,7 +43137,7 @@
           <a:graphicData uri="http://schemas.openxmlformats.org/presentationml/2006/ole">
             <mc:AlternateContent xmlns:mc="http://schemas.openxmlformats.org/markup-compatibility/2006">
               <mc:Choice xmlns:v="urn:schemas-microsoft-com:vml" Requires="v">
-                <p:oleObj spid="_x0000_s22534" name="Equation" r:id="rId4" imgW="774364" imgH="431613" progId="Equation.3">
+                <p:oleObj spid="_x0000_s22536" name="Equation" r:id="rId4" imgW="774364" imgH="431613" progId="Equation.3">
                   <p:embed/>
                 </p:oleObj>
               </mc:Choice>
@@ -43431,7 +43236,202 @@
 </p:sld>
 </file>
 
-<file path=ppt/slides/slide51.xml><?xml version="1.0" encoding="utf-8"?>
+<file path=ppt/slides/slide5.xml><?xml version="1.0" encoding="utf-8"?>
+<p:sld xmlns:a="http://schemas.openxmlformats.org/drawingml/2006/main" xmlns:r="http://schemas.openxmlformats.org/officeDocument/2006/relationships" xmlns:p="http://schemas.openxmlformats.org/presentationml/2006/main">
+  <p:cSld>
+    <p:spTree>
+      <p:nvGrpSpPr>
+        <p:cNvPr id="1" name=""/>
+        <p:cNvGrpSpPr/>
+        <p:nvPr/>
+      </p:nvGrpSpPr>
+      <p:grpSpPr>
+        <a:xfrm>
+          <a:off x="0" y="0"/>
+          <a:ext cx="0" cy="0"/>
+          <a:chOff x="0" y="0"/>
+          <a:chExt cx="0" cy="0"/>
+        </a:xfrm>
+      </p:grpSpPr>
+      <p:sp>
+        <p:nvSpPr>
+          <p:cNvPr id="2" name="Title 1"/>
+          <p:cNvSpPr>
+            <a:spLocks noGrp="1"/>
+          </p:cNvSpPr>
+          <p:nvPr>
+            <p:ph type="title"/>
+          </p:nvPr>
+        </p:nvSpPr>
+        <p:spPr/>
+        <p:txBody>
+          <a:bodyPr/>
+          <a:lstStyle/>
+          <a:p>
+            <a:r>
+              <a:rPr lang="en-US" dirty="0" smtClean="0"/>
+              <a:t>Object Storage</a:t>
+            </a:r>
+            <a:endParaRPr lang="en-US" dirty="0"/>
+          </a:p>
+        </p:txBody>
+      </p:sp>
+      <p:sp>
+        <p:nvSpPr>
+          <p:cNvPr id="3" name="Content Placeholder 2"/>
+          <p:cNvSpPr>
+            <a:spLocks noGrp="1"/>
+          </p:cNvSpPr>
+          <p:nvPr>
+            <p:ph idx="1"/>
+          </p:nvPr>
+        </p:nvSpPr>
+        <p:spPr/>
+        <p:txBody>
+          <a:bodyPr/>
+          <a:lstStyle/>
+          <a:p>
+            <a:pPr marL="457200" indent="-457200">
+              <a:buFont typeface="Arial"/>
+              <a:buChar char="•"/>
+            </a:pPr>
+            <a:r>
+              <a:rPr lang="en-US" dirty="0" smtClean="0"/>
+              <a:t>All Values in R stored as Objects (some types)</a:t>
+            </a:r>
+          </a:p>
+          <a:p>
+            <a:r>
+              <a:rPr lang="en-US" sz="2000" b="1" dirty="0" smtClean="0"/>
+              <a:t>Vector:</a:t>
+            </a:r>
+            <a:r>
+              <a:rPr lang="en-US" sz="2000" dirty="0"/>
+              <a:t> A</a:t>
+            </a:r>
+            <a:r>
+              <a:rPr lang="en-US" sz="2000" dirty="0" smtClean="0"/>
+              <a:t> </a:t>
+            </a:r>
+            <a:r>
+              <a:rPr lang="en-US" sz="2000" dirty="0"/>
+              <a:t>one-dimensional array of arbitrary length. Subsets of the vector may be referenced. All elements of the vector must be of the same type--numerical, character, etc.</a:t>
+            </a:r>
+          </a:p>
+          <a:p>
+            <a:r>
+              <a:rPr lang="en-US" sz="2000" b="1" dirty="0" smtClean="0"/>
+              <a:t>Matrix:</a:t>
+            </a:r>
+            <a:r>
+              <a:rPr lang="en-US" sz="2000" dirty="0"/>
+              <a:t> </a:t>
+            </a:r>
+            <a:r>
+              <a:rPr lang="en-US" sz="2000" dirty="0" smtClean="0"/>
+              <a:t> A </a:t>
+            </a:r>
+            <a:r>
+              <a:rPr lang="en-US" sz="2000" dirty="0"/>
+              <a:t>two-dimensional array with an arbitrary number of rows and columns. Subsets of the matrix may be referenced, and individual rows and columns of the matrix may be handled as vectors. </a:t>
+            </a:r>
+            <a:r>
+              <a:rPr lang="en-US" sz="2000" dirty="0" smtClean="0"/>
+              <a:t>All </a:t>
+            </a:r>
+            <a:r>
+              <a:rPr lang="en-US" sz="2000" dirty="0"/>
+              <a:t>elements of the matrix must be of the same type.</a:t>
+            </a:r>
+          </a:p>
+          <a:p>
+            <a:r>
+              <a:rPr lang="en-US" sz="2000" b="1" dirty="0" smtClean="0"/>
+              <a:t>Data </a:t>
+            </a:r>
+            <a:r>
+              <a:rPr lang="en-US" sz="2000" b="1" dirty="0"/>
+              <a:t>frame</a:t>
+            </a:r>
+            <a:r>
+              <a:rPr lang="en-US" sz="2000" b="1" dirty="0" smtClean="0"/>
+              <a:t>:</a:t>
+            </a:r>
+            <a:r>
+              <a:rPr lang="en-US" sz="2000" dirty="0"/>
+              <a:t> </a:t>
+            </a:r>
+            <a:r>
+              <a:rPr lang="en-US" sz="2000" dirty="0" smtClean="0"/>
+              <a:t>A </a:t>
+            </a:r>
+            <a:r>
+              <a:rPr lang="en-US" sz="2000" dirty="0"/>
+              <a:t>set of </a:t>
+            </a:r>
+            <a:r>
+              <a:rPr lang="en-US" sz="2000" b="1" dirty="0"/>
+              <a:t>data</a:t>
+            </a:r>
+            <a:r>
+              <a:rPr lang="en-US" sz="2000" dirty="0"/>
+              <a:t> </a:t>
+            </a:r>
+            <a:r>
+              <a:rPr lang="en-US" sz="2000" dirty="0" smtClean="0"/>
+              <a:t>organized </a:t>
+            </a:r>
+            <a:r>
+              <a:rPr lang="en-US" sz="2000" dirty="0"/>
+              <a:t>similarly to a matrix. However each column of the data frame may contain its own type of data. Columns typically correspond to variables in a statistical study, while rows correspond to observations of these variables. A data frame may be handled similarly to a matrix, and individual columns of the data frame may be handled as vectors.</a:t>
+            </a:r>
+          </a:p>
+          <a:p>
+            <a:r>
+              <a:rPr lang="en-US" sz="2000" b="1" dirty="0" smtClean="0"/>
+              <a:t>List:</a:t>
+            </a:r>
+            <a:r>
+              <a:rPr lang="en-US" sz="2000" dirty="0"/>
+              <a:t> </a:t>
+            </a:r>
+            <a:r>
+              <a:rPr lang="en-US" sz="2000" dirty="0" smtClean="0"/>
+              <a:t>An </a:t>
+            </a:r>
+            <a:r>
+              <a:rPr lang="en-US" sz="2000" dirty="0"/>
+              <a:t>arbitrary collection of other </a:t>
+            </a:r>
+            <a:r>
+              <a:rPr lang="en-US" sz="2000" b="1" dirty="0"/>
+              <a:t>R</a:t>
+            </a:r>
+            <a:r>
+              <a:rPr lang="en-US" sz="2000" dirty="0"/>
+              <a:t> objects (which may include other lists).</a:t>
+            </a:r>
+            <a:endParaRPr lang="en-US" sz="2000" dirty="0" smtClean="0"/>
+          </a:p>
+          <a:p>
+            <a:endParaRPr lang="en-US" dirty="0"/>
+          </a:p>
+        </p:txBody>
+      </p:sp>
+    </p:spTree>
+    <p:extLst>
+      <p:ext uri="{BB962C8B-B14F-4D97-AF65-F5344CB8AC3E}">
+        <p14:creationId xmlns:p14="http://schemas.microsoft.com/office/powerpoint/2010/main" val="2928836404"/>
+      </p:ext>
+    </p:extLst>
+  </p:cSld>
+  <p:clrMapOvr>
+    <a:masterClrMapping/>
+  </p:clrMapOvr>
+</p:sld>
+</file>
+
+<file path=ppt/slides/slide50.xml><?xml version="1.0" encoding="utf-8"?>
 <p:sld xmlns:a="http://schemas.openxmlformats.org/drawingml/2006/main" xmlns:r="http://schemas.openxmlformats.org/officeDocument/2006/relationships" xmlns:p="http://schemas.openxmlformats.org/presentationml/2006/main">
   <p:cSld>
     <p:spTree>
@@ -43591,7 +43591,7 @@
 </p:sld>
 </file>
 
-<file path=ppt/slides/slide52.xml><?xml version="1.0" encoding="utf-8"?>
+<file path=ppt/slides/slide51.xml><?xml version="1.0" encoding="utf-8"?>
 <p:sld xmlns:a="http://schemas.openxmlformats.org/drawingml/2006/main" xmlns:r="http://schemas.openxmlformats.org/officeDocument/2006/relationships" xmlns:p="http://schemas.openxmlformats.org/presentationml/2006/main">
   <p:cSld>
     <p:spTree>
@@ -43706,7 +43706,7 @@
 </p:sld>
 </file>
 
-<file path=ppt/slides/slide53.xml><?xml version="1.0" encoding="utf-8"?>
+<file path=ppt/slides/slide52.xml><?xml version="1.0" encoding="utf-8"?>
 <p:sld xmlns:a="http://schemas.openxmlformats.org/drawingml/2006/main" xmlns:r="http://schemas.openxmlformats.org/officeDocument/2006/relationships" xmlns:p="http://schemas.openxmlformats.org/presentationml/2006/main">
   <p:cSld>
     <p:spTree>
@@ -45040,7 +45040,7 @@
 </p:sld>
 </file>
 
-<file path=ppt/slides/slide54.xml><?xml version="1.0" encoding="utf-8"?>
+<file path=ppt/slides/slide53.xml><?xml version="1.0" encoding="utf-8"?>
 <p:sld xmlns:a="http://schemas.openxmlformats.org/drawingml/2006/main" xmlns:r="http://schemas.openxmlformats.org/officeDocument/2006/relationships" xmlns:p="http://schemas.openxmlformats.org/presentationml/2006/main">
   <p:cSld>
     <p:spTree>
@@ -45134,7 +45134,7 @@
 </p:sld>
 </file>
 
-<file path=ppt/slides/slide55.xml><?xml version="1.0" encoding="utf-8"?>
+<file path=ppt/slides/slide54.xml><?xml version="1.0" encoding="utf-8"?>
 <p:sld xmlns:a="http://schemas.openxmlformats.org/drawingml/2006/main" xmlns:r="http://schemas.openxmlformats.org/officeDocument/2006/relationships" xmlns:p="http://schemas.openxmlformats.org/presentationml/2006/main">
   <p:cSld>
     <p:spTree>
@@ -45586,7 +45586,7 @@
 </p:sld>
 </file>
 
-<file path=ppt/slides/slide56.xml><?xml version="1.0" encoding="utf-8"?>
+<file path=ppt/slides/slide55.xml><?xml version="1.0" encoding="utf-8"?>
 <p:sld xmlns:a="http://schemas.openxmlformats.org/drawingml/2006/main" xmlns:r="http://schemas.openxmlformats.org/officeDocument/2006/relationships" xmlns:p="http://schemas.openxmlformats.org/presentationml/2006/main">
   <p:cSld>
     <p:spTree>
@@ -46207,7 +46207,7 @@
 </p:sld>
 </file>
 
-<file path=ppt/slides/slide57.xml><?xml version="1.0" encoding="utf-8"?>
+<file path=ppt/slides/slide56.xml><?xml version="1.0" encoding="utf-8"?>
 <p:sld xmlns:a="http://schemas.openxmlformats.org/drawingml/2006/main" xmlns:r="http://schemas.openxmlformats.org/officeDocument/2006/relationships" xmlns:p="http://schemas.openxmlformats.org/presentationml/2006/main">
   <p:cSld>
     <p:spTree>
@@ -46463,7 +46463,7 @@
 </p:sld>
 </file>
 
-<file path=ppt/slides/slide58.xml><?xml version="1.0" encoding="utf-8"?>
+<file path=ppt/slides/slide57.xml><?xml version="1.0" encoding="utf-8"?>
 <p:sld xmlns:a="http://schemas.openxmlformats.org/drawingml/2006/main" xmlns:r="http://schemas.openxmlformats.org/officeDocument/2006/relationships" xmlns:p="http://schemas.openxmlformats.org/presentationml/2006/main">
   <p:cSld>
     <p:spTree>
@@ -46535,7 +46535,7 @@
 </p:sld>
 </file>
 
-<file path=ppt/slides/slide59.xml><?xml version="1.0" encoding="utf-8"?>
+<file path=ppt/slides/slide58.xml><?xml version="1.0" encoding="utf-8"?>
 <p:sld xmlns:a="http://schemas.openxmlformats.org/drawingml/2006/main" xmlns:r="http://schemas.openxmlformats.org/officeDocument/2006/relationships" xmlns:p="http://schemas.openxmlformats.org/presentationml/2006/main">
   <p:cSld>
     <p:spTree>
@@ -46645,201 +46645,6 @@
           <a:p>
             <a:r>
               <a:rPr lang="en-US" dirty="0" smtClean="0"/>
-              <a:t>Object Storage</a:t>
-            </a:r>
-            <a:endParaRPr lang="en-US" dirty="0"/>
-          </a:p>
-        </p:txBody>
-      </p:sp>
-      <p:sp>
-        <p:nvSpPr>
-          <p:cNvPr id="3" name="Content Placeholder 2"/>
-          <p:cNvSpPr>
-            <a:spLocks noGrp="1"/>
-          </p:cNvSpPr>
-          <p:nvPr>
-            <p:ph idx="1"/>
-          </p:nvPr>
-        </p:nvSpPr>
-        <p:spPr/>
-        <p:txBody>
-          <a:bodyPr/>
-          <a:lstStyle/>
-          <a:p>
-            <a:pPr marL="457200" indent="-457200">
-              <a:buFont typeface="Arial"/>
-              <a:buChar char="•"/>
-            </a:pPr>
-            <a:r>
-              <a:rPr lang="en-US" dirty="0" smtClean="0"/>
-              <a:t>All Values in R stored as Objects (some types)</a:t>
-            </a:r>
-          </a:p>
-          <a:p>
-            <a:r>
-              <a:rPr lang="en-US" sz="2000" b="1" dirty="0" smtClean="0"/>
-              <a:t>Vector:</a:t>
-            </a:r>
-            <a:r>
-              <a:rPr lang="en-US" sz="2000" dirty="0"/>
-              <a:t> A</a:t>
-            </a:r>
-            <a:r>
-              <a:rPr lang="en-US" sz="2000" dirty="0" smtClean="0"/>
-              <a:t> </a:t>
-            </a:r>
-            <a:r>
-              <a:rPr lang="en-US" sz="2000" dirty="0"/>
-              <a:t>one-dimensional array of arbitrary length. Subsets of the vector may be referenced. All elements of the vector must be of the same type--numerical, character, etc.</a:t>
-            </a:r>
-          </a:p>
-          <a:p>
-            <a:r>
-              <a:rPr lang="en-US" sz="2000" b="1" dirty="0" smtClean="0"/>
-              <a:t>Matrix:</a:t>
-            </a:r>
-            <a:r>
-              <a:rPr lang="en-US" sz="2000" dirty="0"/>
-              <a:t> </a:t>
-            </a:r>
-            <a:r>
-              <a:rPr lang="en-US" sz="2000" dirty="0" smtClean="0"/>
-              <a:t> A </a:t>
-            </a:r>
-            <a:r>
-              <a:rPr lang="en-US" sz="2000" dirty="0"/>
-              <a:t>two-dimensional array with an arbitrary number of rows and columns. Subsets of the matrix may be referenced, and individual rows and columns of the matrix may be handled as vectors. </a:t>
-            </a:r>
-            <a:r>
-              <a:rPr lang="en-US" sz="2000" dirty="0" smtClean="0"/>
-              <a:t>All </a:t>
-            </a:r>
-            <a:r>
-              <a:rPr lang="en-US" sz="2000" dirty="0"/>
-              <a:t>elements of the matrix must be of the same type.</a:t>
-            </a:r>
-          </a:p>
-          <a:p>
-            <a:r>
-              <a:rPr lang="en-US" sz="2000" b="1" dirty="0" smtClean="0"/>
-              <a:t>Data </a:t>
-            </a:r>
-            <a:r>
-              <a:rPr lang="en-US" sz="2000" b="1" dirty="0"/>
-              <a:t>frame</a:t>
-            </a:r>
-            <a:r>
-              <a:rPr lang="en-US" sz="2000" b="1" dirty="0" smtClean="0"/>
-              <a:t>:</a:t>
-            </a:r>
-            <a:r>
-              <a:rPr lang="en-US" sz="2000" dirty="0"/>
-              <a:t> </a:t>
-            </a:r>
-            <a:r>
-              <a:rPr lang="en-US" sz="2000" dirty="0" smtClean="0"/>
-              <a:t>A </a:t>
-            </a:r>
-            <a:r>
-              <a:rPr lang="en-US" sz="2000" dirty="0"/>
-              <a:t>set of </a:t>
-            </a:r>
-            <a:r>
-              <a:rPr lang="en-US" sz="2000" b="1" dirty="0"/>
-              <a:t>data</a:t>
-            </a:r>
-            <a:r>
-              <a:rPr lang="en-US" sz="2000" dirty="0"/>
-              <a:t> </a:t>
-            </a:r>
-            <a:r>
-              <a:rPr lang="en-US" sz="2000" dirty="0" smtClean="0"/>
-              <a:t>organized </a:t>
-            </a:r>
-            <a:r>
-              <a:rPr lang="en-US" sz="2000" dirty="0"/>
-              <a:t>similarly to a matrix. However each column of the data frame may contain its own type of data. Columns typically correspond to variables in a statistical study, while rows correspond to observations of these variables. A data frame may be handled similarly to a matrix, and individual columns of the data frame may be handled as vectors.</a:t>
-            </a:r>
-          </a:p>
-          <a:p>
-            <a:r>
-              <a:rPr lang="en-US" sz="2000" b="1" dirty="0" smtClean="0"/>
-              <a:t>List:</a:t>
-            </a:r>
-            <a:r>
-              <a:rPr lang="en-US" sz="2000" dirty="0"/>
-              <a:t> </a:t>
-            </a:r>
-            <a:r>
-              <a:rPr lang="en-US" sz="2000" dirty="0" smtClean="0"/>
-              <a:t>An </a:t>
-            </a:r>
-            <a:r>
-              <a:rPr lang="en-US" sz="2000" dirty="0"/>
-              <a:t>arbitrary collection of other </a:t>
-            </a:r>
-            <a:r>
-              <a:rPr lang="en-US" sz="2000" b="1" dirty="0"/>
-              <a:t>R</a:t>
-            </a:r>
-            <a:r>
-              <a:rPr lang="en-US" sz="2000" dirty="0"/>
-              <a:t> objects (which may include other lists).</a:t>
-            </a:r>
-            <a:endParaRPr lang="en-US" sz="2000" dirty="0" smtClean="0"/>
-          </a:p>
-          <a:p>
-            <a:endParaRPr lang="en-US" dirty="0"/>
-          </a:p>
-        </p:txBody>
-      </p:sp>
-    </p:spTree>
-    <p:extLst>
-      <p:ext uri="{BB962C8B-B14F-4D97-AF65-F5344CB8AC3E}">
-        <p14:creationId xmlns:p14="http://schemas.microsoft.com/office/powerpoint/2010/main" val="2928836404"/>
-      </p:ext>
-    </p:extLst>
-  </p:cSld>
-  <p:clrMapOvr>
-    <a:masterClrMapping/>
-  </p:clrMapOvr>
-</p:sld>
-</file>
-
-<file path=ppt/slides/slide7.xml><?xml version="1.0" encoding="utf-8"?>
-<p:sld xmlns:a="http://schemas.openxmlformats.org/drawingml/2006/main" xmlns:r="http://schemas.openxmlformats.org/officeDocument/2006/relationships" xmlns:p="http://schemas.openxmlformats.org/presentationml/2006/main">
-  <p:cSld>
-    <p:spTree>
-      <p:nvGrpSpPr>
-        <p:cNvPr id="1" name=""/>
-        <p:cNvGrpSpPr/>
-        <p:nvPr/>
-      </p:nvGrpSpPr>
-      <p:grpSpPr>
-        <a:xfrm>
-          <a:off x="0" y="0"/>
-          <a:ext cx="0" cy="0"/>
-          <a:chOff x="0" y="0"/>
-          <a:chExt cx="0" cy="0"/>
-        </a:xfrm>
-      </p:grpSpPr>
-      <p:sp>
-        <p:nvSpPr>
-          <p:cNvPr id="2" name="Title 1"/>
-          <p:cNvSpPr>
-            <a:spLocks noGrp="1"/>
-          </p:cNvSpPr>
-          <p:nvPr>
-            <p:ph type="title"/>
-          </p:nvPr>
-        </p:nvSpPr>
-        <p:spPr/>
-        <p:txBody>
-          <a:bodyPr/>
-          <a:lstStyle/>
-          <a:p>
-            <a:r>
-              <a:rPr lang="en-US" dirty="0" smtClean="0"/>
               <a:t>Variables </a:t>
             </a:r>
             <a:endParaRPr lang="en-US" dirty="0"/>
@@ -46973,7 +46778,7 @@
 </p:sld>
 </file>
 
-<file path=ppt/slides/slide8.xml><?xml version="1.0" encoding="utf-8"?>
+<file path=ppt/slides/slide7.xml><?xml version="1.0" encoding="utf-8"?>
 <p:sld xmlns:a="http://schemas.openxmlformats.org/drawingml/2006/main" xmlns:r="http://schemas.openxmlformats.org/officeDocument/2006/relationships" xmlns:p="http://schemas.openxmlformats.org/presentationml/2006/main">
   <p:cSld>
     <p:spTree>
@@ -47259,7 +47064,7 @@
 </p:sld>
 </file>
 
-<file path=ppt/slides/slide9.xml><?xml version="1.0" encoding="utf-8"?>
+<file path=ppt/slides/slide8.xml><?xml version="1.0" encoding="utf-8"?>
 <p:sld xmlns:a="http://schemas.openxmlformats.org/drawingml/2006/main" xmlns:r="http://schemas.openxmlformats.org/officeDocument/2006/relationships" xmlns:p="http://schemas.openxmlformats.org/presentationml/2006/main">
   <p:cSld>
     <p:spTree>
@@ -47356,6 +47161,112 @@
     <p:extLst>
       <p:ext uri="{BB962C8B-B14F-4D97-AF65-F5344CB8AC3E}">
         <p14:creationId xmlns:p14="http://schemas.microsoft.com/office/powerpoint/2010/main" val="1748513810"/>
+      </p:ext>
+    </p:extLst>
+  </p:cSld>
+  <p:clrMapOvr>
+    <a:masterClrMapping/>
+  </p:clrMapOvr>
+</p:sld>
+</file>
+
+<file path=ppt/slides/slide9.xml><?xml version="1.0" encoding="utf-8"?>
+<p:sld xmlns:a="http://schemas.openxmlformats.org/drawingml/2006/main" xmlns:r="http://schemas.openxmlformats.org/officeDocument/2006/relationships" xmlns:p="http://schemas.openxmlformats.org/presentationml/2006/main">
+  <p:cSld>
+    <p:spTree>
+      <p:nvGrpSpPr>
+        <p:cNvPr id="1" name=""/>
+        <p:cNvGrpSpPr/>
+        <p:nvPr/>
+      </p:nvGrpSpPr>
+      <p:grpSpPr>
+        <a:xfrm>
+          <a:off x="0" y="0"/>
+          <a:ext cx="0" cy="0"/>
+          <a:chOff x="0" y="0"/>
+          <a:chExt cx="0" cy="0"/>
+        </a:xfrm>
+      </p:grpSpPr>
+      <p:sp>
+        <p:nvSpPr>
+          <p:cNvPr id="2" name="Title 1"/>
+          <p:cNvSpPr>
+            <a:spLocks noGrp="1"/>
+          </p:cNvSpPr>
+          <p:nvPr>
+            <p:ph type="title"/>
+          </p:nvPr>
+        </p:nvSpPr>
+        <p:spPr/>
+        <p:txBody>
+          <a:bodyPr/>
+          <a:lstStyle/>
+          <a:p>
+            <a:r>
+              <a:rPr lang="en-US" dirty="0" smtClean="0"/>
+              <a:t>Vector Examples</a:t>
+            </a:r>
+            <a:endParaRPr lang="en-US" dirty="0"/>
+          </a:p>
+        </p:txBody>
+      </p:sp>
+      <p:sp>
+        <p:nvSpPr>
+          <p:cNvPr id="3" name="Content Placeholder 2"/>
+          <p:cNvSpPr>
+            <a:spLocks noGrp="1"/>
+          </p:cNvSpPr>
+          <p:nvPr>
+            <p:ph idx="1"/>
+          </p:nvPr>
+        </p:nvSpPr>
+        <p:spPr/>
+        <p:txBody>
+          <a:bodyPr/>
+          <a:lstStyle/>
+          <a:p>
+            <a:r>
+              <a:rPr lang="en-US" dirty="0" smtClean="0"/>
+              <a:t>We can apply functions to vectors</a:t>
+            </a:r>
+            <a:endParaRPr lang="en-US" dirty="0"/>
+          </a:p>
+        </p:txBody>
+      </p:sp>
+      <p:pic>
+        <p:nvPicPr>
+          <p:cNvPr id="6" name="Picture 5" descr="Screen Shot 2013-10-07 at 11.05.09 AM.png"/>
+          <p:cNvPicPr>
+            <a:picLocks noChangeAspect="1"/>
+          </p:cNvPicPr>
+          <p:nvPr/>
+        </p:nvPicPr>
+        <p:blipFill>
+          <a:blip r:embed="rId2">
+            <a:extLst>
+              <a:ext uri="{28A0092B-C50C-407E-A947-70E740481C1C}">
+                <a14:useLocalDpi xmlns:a14="http://schemas.microsoft.com/office/drawing/2010/main" val="0"/>
+              </a:ext>
+            </a:extLst>
+          </a:blip>
+          <a:stretch>
+            <a:fillRect/>
+          </a:stretch>
+        </p:blipFill>
+        <p:spPr>
+          <a:xfrm>
+            <a:off x="163512" y="3017837"/>
+            <a:ext cx="9652000" cy="3352800"/>
+          </a:xfrm>
+          <a:prstGeom prst="rect">
+            <a:avLst/>
+          </a:prstGeom>
+        </p:spPr>
+      </p:pic>
+    </p:spTree>
+    <p:extLst>
+      <p:ext uri="{BB962C8B-B14F-4D97-AF65-F5344CB8AC3E}">
+        <p14:creationId xmlns:p14="http://schemas.microsoft.com/office/powerpoint/2010/main" val="2400801689"/>
       </p:ext>
     </p:extLst>
   </p:cSld>
